--- a/learn/TP.pptx
+++ b/learn/TP.pptx
@@ -3664,10 +3664,10 @@
               <a:t>基于Qualcomm SDM</a:t>
             </a:r>
             <a:r>
-              <a:rPr lang="" altLang="en-US"/>
+              <a:rPr lang="en-US" altLang="en-US"/>
               <a:t>660 TP的分析</a:t>
             </a:r>
-            <a:endParaRPr lang="" altLang="en-US"/>
+            <a:endParaRPr lang="en-US" altLang="en-US"/>
           </a:p>
         </p:txBody>
       </p:sp>
@@ -3693,10 +3693,10 @@
           </a:bodyPr>
           <a:p>
             <a:r>
-              <a:rPr lang="" altLang="en-US"/>
+              <a:rPr lang="en-US" altLang="en-US"/>
               <a:t>1.原理图分析(硬件连接)</a:t>
             </a:r>
-            <a:endParaRPr lang="" altLang="en-US"/>
+            <a:endParaRPr lang="en-US" altLang="en-US"/>
           </a:p>
         </p:txBody>
       </p:sp>
@@ -3770,10 +3770,10 @@
           </a:bodyPr>
           <a:p>
             <a:r>
-              <a:rPr lang="" altLang="en-US"/>
+              <a:rPr lang="en-US" altLang="en-US"/>
               <a:t>中断引脚</a:t>
             </a:r>
-            <a:endParaRPr lang="" altLang="en-US"/>
+            <a:endParaRPr lang="en-US" altLang="en-US"/>
           </a:p>
         </p:txBody>
       </p:sp>
@@ -3799,10 +3799,10 @@
           </a:bodyPr>
           <a:p>
             <a:r>
-              <a:rPr lang="" altLang="en-US"/>
+              <a:rPr lang="en-US" altLang="en-US"/>
               <a:t>复位引脚</a:t>
             </a:r>
-            <a:endParaRPr lang="" altLang="en-US"/>
+            <a:endParaRPr lang="en-US" altLang="en-US"/>
           </a:p>
         </p:txBody>
       </p:sp>
@@ -3828,10 +3828,10 @@
           </a:bodyPr>
           <a:p>
             <a:r>
-              <a:rPr lang="" altLang="en-US"/>
+              <a:rPr lang="en-US" altLang="en-US"/>
               <a:t>通信引脚</a:t>
             </a:r>
-            <a:endParaRPr lang="" altLang="en-US"/>
+            <a:endParaRPr lang="en-US" altLang="en-US"/>
           </a:p>
         </p:txBody>
       </p:sp>
@@ -4199,10 +4199,10 @@
           </a:bodyPr>
           <a:p>
             <a:r>
-              <a:rPr lang="" altLang="en-US"/>
+              <a:rPr lang="en-US" altLang="en-US"/>
               <a:t>对应cat,打印当前TP状态</a:t>
             </a:r>
-            <a:endParaRPr lang="" altLang="en-US"/>
+            <a:endParaRPr lang="en-US" altLang="en-US"/>
           </a:p>
         </p:txBody>
       </p:sp>
@@ -4550,10 +4550,10 @@
           </a:bodyPr>
           <a:p>
             <a:r>
-              <a:rPr lang="" altLang="en-US"/>
+              <a:rPr lang="en-US" altLang="en-US"/>
               <a:t>对应echo,实现时,要判断TP当前状态</a:t>
             </a:r>
-            <a:endParaRPr lang="" altLang="en-US"/>
+            <a:endParaRPr lang="en-US" altLang="en-US"/>
           </a:p>
         </p:txBody>
       </p:sp>
@@ -4645,10 +4645,10 @@
           </a:bodyPr>
           <a:p>
             <a:r>
-              <a:rPr lang="" altLang="en-US"/>
+              <a:rPr lang="en-US" altLang="en-US"/>
               <a:t>实验效果</a:t>
             </a:r>
-            <a:endParaRPr lang="" altLang="en-US"/>
+            <a:endParaRPr lang="en-US" altLang="en-US"/>
           </a:p>
         </p:txBody>
       </p:sp>
@@ -4698,37 +4698,37 @@
           </a:bodyPr>
           <a:p>
             <a:r>
-              <a:rPr lang="" altLang="en-US"/>
+              <a:rPr lang="en-US" altLang="en-US"/>
               <a:t>挂载在i2c4上,设备树的节点对应</a:t>
             </a:r>
-            <a:endParaRPr lang="" altLang="en-US"/>
-          </a:p>
-          <a:p>
-            <a:r>
-              <a:rPr lang="" altLang="en-US"/>
+            <a:endParaRPr lang="en-US" altLang="en-US"/>
+          </a:p>
+          <a:p>
+            <a:r>
+              <a:rPr lang="en-US" altLang="en-US"/>
               <a:t>后面是分配的设备号</a:t>
             </a:r>
-            <a:endParaRPr lang="" altLang="en-US"/>
-          </a:p>
-          <a:p>
-            <a:endParaRPr lang="" altLang="en-US"/>
-          </a:p>
-          <a:p>
-            <a:r>
-              <a:rPr lang="" altLang="en-US"/>
+            <a:endParaRPr lang="en-US" altLang="en-US"/>
+          </a:p>
+          <a:p>
+            <a:endParaRPr lang="en-US" altLang="en-US"/>
+          </a:p>
+          <a:p>
+            <a:r>
+              <a:rPr lang="en-US" altLang="en-US"/>
               <a:t>创建的节点名</a:t>
             </a:r>
-            <a:endParaRPr lang="" altLang="en-US"/>
-          </a:p>
-          <a:p>
-            <a:endParaRPr lang="" altLang="en-US"/>
-          </a:p>
-          <a:p>
-            <a:r>
-              <a:rPr lang="" altLang="en-US"/>
+            <a:endParaRPr lang="en-US" altLang="en-US"/>
+          </a:p>
+          <a:p>
+            <a:endParaRPr lang="en-US" altLang="en-US"/>
+          </a:p>
+          <a:p>
+            <a:r>
+              <a:rPr lang="en-US" altLang="en-US"/>
               <a:t>控制</a:t>
             </a:r>
-            <a:endParaRPr lang="" altLang="en-US"/>
+            <a:endParaRPr lang="en-US" altLang="en-US"/>
           </a:p>
         </p:txBody>
       </p:sp>
@@ -4904,10 +4904,10 @@
           </a:bodyPr>
           <a:p>
             <a:r>
-              <a:rPr lang="" altLang="en-US"/>
+              <a:rPr lang="en-US" altLang="en-US"/>
               <a:t>3.5如何查找注册的TP设备</a:t>
             </a:r>
-            <a:endParaRPr lang="" altLang="en-US"/>
+            <a:endParaRPr lang="en-US" altLang="en-US"/>
           </a:p>
         </p:txBody>
       </p:sp>
@@ -4957,17 +4957,17 @@
           </a:bodyPr>
           <a:p>
             <a:r>
-              <a:rPr lang="" altLang="en-US"/>
+              <a:rPr lang="en-US" altLang="en-US"/>
               <a:t>getevent -l显示注册在input下面的设备</a:t>
             </a:r>
-            <a:endParaRPr lang="" altLang="en-US"/>
-          </a:p>
-          <a:p>
-            <a:r>
-              <a:rPr lang="" altLang="en-US"/>
+            <a:endParaRPr lang="en-US" altLang="en-US"/>
+          </a:p>
+          <a:p>
+            <a:r>
+              <a:rPr lang="en-US" altLang="en-US"/>
               <a:t>然后就可以找到对应的设备</a:t>
             </a:r>
-            <a:endParaRPr lang="" altLang="en-US"/>
+            <a:endParaRPr lang="en-US" altLang="en-US"/>
           </a:p>
         </p:txBody>
       </p:sp>
@@ -5017,10 +5017,10 @@
           </a:bodyPr>
           <a:p>
             <a:r>
-              <a:rPr lang="" altLang="en-US"/>
+              <a:rPr lang="en-US" altLang="en-US"/>
               <a:t>显示报点的数据</a:t>
             </a:r>
-            <a:endParaRPr lang="" altLang="en-US"/>
+            <a:endParaRPr lang="en-US" altLang="en-US"/>
           </a:p>
         </p:txBody>
       </p:sp>
@@ -5176,6 +5176,129 @@
           </a:prstGeom>
         </p:spPr>
       </p:pic>
+      <p:sp>
+        <p:nvSpPr>
+          <p:cNvPr id="2" name="Text Box 1"/>
+          <p:cNvSpPr txBox="1"/>
+          <p:nvPr/>
+        </p:nvSpPr>
+        <p:spPr>
+          <a:xfrm>
+            <a:off x="214630" y="1552575"/>
+            <a:ext cx="7299325" cy="3753485"/>
+          </a:xfrm>
+          <a:prstGeom prst="rect">
+            <a:avLst/>
+          </a:prstGeom>
+          <a:noFill/>
+        </p:spPr>
+        <p:txBody>
+          <a:bodyPr wrap="square" rtlCol="0" anchor="t">
+            <a:spAutoFit/>
+          </a:bodyPr>
+          <a:p>
+            <a:r>
+              <a:rPr lang="" altLang="en-US" sz="1400"/>
+              <a:t>4</a:t>
+            </a:r>
+            <a:r>
+              <a:rPr lang="en-US" sz="1400"/>
+              <a:t>.什么是内核态和用户态</a:t>
+            </a:r>
+            <a:endParaRPr lang="en-US" sz="1400"/>
+          </a:p>
+          <a:p>
+            <a:r>
+              <a:rPr lang="en-US" sz="1400"/>
+              <a:t>内核态：在内核空间执行，通常是驱动程序，中断相关程序，内核调度程序，内存管理及其操作程序。</a:t>
+            </a:r>
+            <a:endParaRPr lang="en-US" sz="1400"/>
+          </a:p>
+          <a:p>
+            <a:r>
+              <a:rPr lang="en-US" sz="1400"/>
+              <a:t>用户态：用户程序运行空间。</a:t>
+            </a:r>
+            <a:endParaRPr lang="en-US" sz="1400"/>
+          </a:p>
+          <a:p>
+            <a:endParaRPr lang="en-US" sz="1400"/>
+          </a:p>
+          <a:p>
+            <a:r>
+              <a:rPr lang="en-US" sz="1400"/>
+              <a:t>二.什么是进程上下文与中断上下文</a:t>
+            </a:r>
+            <a:endParaRPr lang="en-US" sz="1400"/>
+          </a:p>
+          <a:p>
+            <a:r>
+              <a:rPr lang="en-US" sz="1400"/>
+              <a:t>1.进程上下文：</a:t>
+            </a:r>
+            <a:endParaRPr lang="en-US" sz="1400"/>
+          </a:p>
+          <a:p>
+            <a:r>
+              <a:rPr lang="en-US" sz="1400"/>
+              <a:t>（1）进程上文：其是指进程由用户态切换到内核态是需要保存用户态时cpu寄存器中的值，进程状态以及堆栈上的内容，即保存当前进程的进程上下文，以便再次执行该进程时，能够恢复切换时的状态，继续执行。</a:t>
+            </a:r>
+            <a:endParaRPr lang="en-US" sz="1400"/>
+          </a:p>
+          <a:p>
+            <a:r>
+              <a:rPr lang="en-US" sz="1400"/>
+              <a:t>（2）进程下文：其是指切换到内核态后执行的程序，即进程运行在内核空间的部分。</a:t>
+            </a:r>
+            <a:endParaRPr lang="en-US" sz="1400"/>
+          </a:p>
+          <a:p>
+            <a:r>
+              <a:rPr lang="en-US" sz="1400"/>
+              <a:t>2.中断上下文：</a:t>
+            </a:r>
+            <a:endParaRPr lang="en-US" sz="1400"/>
+          </a:p>
+          <a:p>
+            <a:r>
+              <a:rPr lang="en-US" sz="1400"/>
+              <a:t>（1）中断上文：硬件通过中断触发信号，导致内核调用中断处理程序，进入内核空间。这个过程中，硬件的一些变量和参数也要传递给内核，内核通过这些参数进行中断处理。中断上文可以看作就是硬件传递过来的这些参数和内核需要保存的一些其他环境（主要是当前被中断的进程环境。</a:t>
+            </a:r>
+            <a:endParaRPr lang="en-US" sz="1400"/>
+          </a:p>
+          <a:p>
+            <a:r>
+              <a:rPr lang="en-US" sz="1400"/>
+              <a:t>（2）中断下文：执行在内核空间的中断服务程序。</a:t>
+            </a:r>
+            <a:endParaRPr lang="en-US" sz="1400"/>
+          </a:p>
+        </p:txBody>
+      </p:sp>
+      <p:pic>
+        <p:nvPicPr>
+          <p:cNvPr id="3" name="Picture 2"/>
+          <p:cNvPicPr>
+            <a:picLocks noChangeAspect="1"/>
+          </p:cNvPicPr>
+          <p:nvPr/>
+        </p:nvPicPr>
+        <p:blipFill>
+          <a:blip r:embed="rId2"/>
+          <a:stretch>
+            <a:fillRect/>
+          </a:stretch>
+        </p:blipFill>
+        <p:spPr>
+          <a:xfrm>
+            <a:off x="7513955" y="1762760"/>
+            <a:ext cx="4333875" cy="2230120"/>
+          </a:xfrm>
+          <a:prstGeom prst="rect">
+            <a:avLst/>
+          </a:prstGeom>
+        </p:spPr>
+      </p:pic>
     </p:spTree>
   </p:cSld>
   <p:clrMapOvr>
@@ -5218,6 +5341,320 @@
           </a:prstGeom>
         </p:spPr>
       </p:pic>
+      <p:sp>
+        <p:nvSpPr>
+          <p:cNvPr id="2" name="Text Box 1"/>
+          <p:cNvSpPr txBox="1"/>
+          <p:nvPr/>
+        </p:nvSpPr>
+        <p:spPr>
+          <a:xfrm>
+            <a:off x="22860" y="974090"/>
+            <a:ext cx="6387465" cy="645160"/>
+          </a:xfrm>
+          <a:prstGeom prst="rect">
+            <a:avLst/>
+          </a:prstGeom>
+          <a:noFill/>
+        </p:spPr>
+        <p:txBody>
+          <a:bodyPr wrap="square" rtlCol="0" anchor="t">
+            <a:spAutoFit/>
+          </a:bodyPr>
+          <a:p>
+            <a:r>
+              <a:rPr lang="" altLang="en-US"/>
+              <a:t>5.</a:t>
+            </a:r>
+            <a:r>
+              <a:rPr lang="en-US"/>
+              <a:t>Linux内核空间内存申请函数kmalloc、kzalloc、vmalloc的区别</a:t>
+            </a:r>
+            <a:endParaRPr lang="en-US"/>
+          </a:p>
+        </p:txBody>
+      </p:sp>
+      <p:sp>
+        <p:nvSpPr>
+          <p:cNvPr id="3" name="Text Box 2"/>
+          <p:cNvSpPr txBox="1"/>
+          <p:nvPr/>
+        </p:nvSpPr>
+        <p:spPr>
+          <a:xfrm>
+            <a:off x="108585" y="1619250"/>
+            <a:ext cx="10172700" cy="1198880"/>
+          </a:xfrm>
+          <a:prstGeom prst="rect">
+            <a:avLst/>
+          </a:prstGeom>
+          <a:noFill/>
+        </p:spPr>
+        <p:txBody>
+          <a:bodyPr wrap="square" rtlCol="0" anchor="t">
+            <a:spAutoFit/>
+          </a:bodyPr>
+          <a:p>
+            <a:r>
+              <a:rPr lang="en-US"/>
+              <a:t>void *kmalloc(size_t size, gfp_t flags)；</a:t>
+            </a:r>
+            <a:endParaRPr lang="en-US"/>
+          </a:p>
+          <a:p>
+            <a:r>
+              <a:rPr lang="en-US"/>
+              <a:t>　　kmalloc() 申请的内存位于物理内存映射区域，而且在物理上也是连续的，它们与真实的物理地址只有一个固定的偏移，因为存在较简单的转换关系，所以对申请的内存大小有限制，不能超过128KB。</a:t>
+            </a:r>
+            <a:endParaRPr lang="en-US"/>
+          </a:p>
+        </p:txBody>
+      </p:sp>
+      <p:sp>
+        <p:nvSpPr>
+          <p:cNvPr id="4" name="Text Box 3"/>
+          <p:cNvSpPr txBox="1"/>
+          <p:nvPr/>
+        </p:nvSpPr>
+        <p:spPr>
+          <a:xfrm>
+            <a:off x="22860" y="2818130"/>
+            <a:ext cx="10257790" cy="1198880"/>
+          </a:xfrm>
+          <a:prstGeom prst="rect">
+            <a:avLst/>
+          </a:prstGeom>
+          <a:noFill/>
+        </p:spPr>
+        <p:txBody>
+          <a:bodyPr wrap="square" rtlCol="0" anchor="t">
+            <a:spAutoFit/>
+          </a:bodyPr>
+          <a:p>
+            <a:r>
+              <a:rPr lang="en-US"/>
+              <a:t>kzalloc()</a:t>
+            </a:r>
+            <a:endParaRPr lang="en-US"/>
+          </a:p>
+          <a:p>
+            <a:r>
+              <a:rPr lang="en-US"/>
+              <a:t>　　kzalloc() 函数与 kmalloc() 非常相似，参数及返回值是一样的，可以说是前者是后者的一个变种，因为 kzalloc() 实际上只是额外附加了 __GFP_ZERO 标志。所以它除了申请内核内存外，还会对申请到的内存内容清零。</a:t>
+            </a:r>
+            <a:endParaRPr lang="en-US"/>
+          </a:p>
+        </p:txBody>
+      </p:sp>
+      <p:sp>
+        <p:nvSpPr>
+          <p:cNvPr id="5" name="Text Box 4"/>
+          <p:cNvSpPr txBox="1"/>
+          <p:nvPr/>
+        </p:nvSpPr>
+        <p:spPr>
+          <a:xfrm>
+            <a:off x="22860" y="4210685"/>
+            <a:ext cx="10259060" cy="1198880"/>
+          </a:xfrm>
+          <a:prstGeom prst="rect">
+            <a:avLst/>
+          </a:prstGeom>
+          <a:noFill/>
+        </p:spPr>
+        <p:txBody>
+          <a:bodyPr wrap="square" rtlCol="0" anchor="t">
+            <a:spAutoFit/>
+          </a:bodyPr>
+          <a:p>
+            <a:r>
+              <a:rPr lang="en-US"/>
+              <a:t>void *vmalloc(unsigned long size);</a:t>
+            </a:r>
+            <a:endParaRPr lang="en-US"/>
+          </a:p>
+          <a:p>
+            <a:r>
+              <a:rPr lang="en-US"/>
+              <a:t>　　vmalloc() 函数则会在虚拟内存空间给出一块连续的内存区，但这片连续的虚拟内存在物理内存中并不一定连续。由于 vmalloc() 没有保证申请到的是连续的物理内存，因此对申请的内存大小没有限制，如果需要申请较大的内存空间就需要用此函数了。</a:t>
+            </a:r>
+            <a:endParaRPr lang="en-US"/>
+          </a:p>
+        </p:txBody>
+      </p:sp>
+      <p:sp>
+        <p:nvSpPr>
+          <p:cNvPr id="6" name="Text Box 5"/>
+          <p:cNvSpPr txBox="1"/>
+          <p:nvPr/>
+        </p:nvSpPr>
+        <p:spPr>
+          <a:xfrm>
+            <a:off x="11172190" y="5041265"/>
+            <a:ext cx="2540000" cy="368300"/>
+          </a:xfrm>
+          <a:prstGeom prst="rect">
+            <a:avLst/>
+          </a:prstGeom>
+          <a:noFill/>
+        </p:spPr>
+        <p:txBody>
+          <a:bodyPr wrap="square" rtlCol="0" anchor="t">
+            <a:spAutoFit/>
+          </a:bodyPr>
+          <a:p>
+            <a:r>
+              <a:rPr lang="en-US"/>
+              <a:t>vfree() </a:t>
+            </a:r>
+            <a:endParaRPr lang="en-US"/>
+          </a:p>
+        </p:txBody>
+      </p:sp>
+      <p:sp>
+        <p:nvSpPr>
+          <p:cNvPr id="7" name="Text Box 6"/>
+          <p:cNvSpPr txBox="1"/>
+          <p:nvPr/>
+        </p:nvSpPr>
+        <p:spPr>
+          <a:xfrm>
+            <a:off x="11172190" y="2545080"/>
+            <a:ext cx="2540000" cy="368300"/>
+          </a:xfrm>
+          <a:prstGeom prst="rect">
+            <a:avLst/>
+          </a:prstGeom>
+          <a:noFill/>
+        </p:spPr>
+        <p:txBody>
+          <a:bodyPr wrap="square" rtlCol="0" anchor="t">
+            <a:spAutoFit/>
+          </a:bodyPr>
+          <a:p>
+            <a:r>
+              <a:rPr lang="en-US"/>
+              <a:t>kfree()</a:t>
+            </a:r>
+            <a:endParaRPr lang="en-US"/>
+          </a:p>
+        </p:txBody>
+      </p:sp>
+      <p:cxnSp>
+        <p:nvCxnSpPr>
+          <p:cNvPr id="8" name="Straight Arrow Connector 7"/>
+          <p:cNvCxnSpPr>
+            <a:endCxn id="7" idx="1"/>
+          </p:cNvCxnSpPr>
+          <p:nvPr/>
+        </p:nvCxnSpPr>
+        <p:spPr>
+          <a:xfrm>
+            <a:off x="10399395" y="2295525"/>
+            <a:ext cx="772795" cy="433705"/>
+          </a:xfrm>
+          <a:prstGeom prst="straightConnector1">
+            <a:avLst/>
+          </a:prstGeom>
+          <a:gradFill rotWithShape="0">
+            <a:gsLst>
+              <a:gs pos="0">
+                <a:schemeClr val="accent1"/>
+              </a:gs>
+              <a:gs pos="100000">
+                <a:schemeClr val="accent2"/>
+              </a:gs>
+            </a:gsLst>
+            <a:lin ang="5400000" scaled="1"/>
+          </a:gradFill>
+          <a:ln w="9525" cap="flat" cmpd="sng" algn="ctr">
+            <a:solidFill>
+              <a:schemeClr val="accent1"/>
+            </a:solidFill>
+            <a:prstDash val="solid"/>
+            <a:round/>
+            <a:headEnd type="none" w="med" len="med"/>
+            <a:tailEnd type="arrow" w="med" len="med"/>
+          </a:ln>
+        </p:spPr>
+      </p:cxnSp>
+      <p:cxnSp>
+        <p:nvCxnSpPr>
+          <p:cNvPr id="9" name="Straight Arrow Connector 8"/>
+          <p:cNvCxnSpPr>
+            <a:stCxn id="4" idx="3"/>
+            <a:endCxn id="7" idx="1"/>
+          </p:cNvCxnSpPr>
+          <p:nvPr/>
+        </p:nvCxnSpPr>
+        <p:spPr>
+          <a:xfrm flipV="1">
+            <a:off x="10280650" y="2729230"/>
+            <a:ext cx="891540" cy="688340"/>
+          </a:xfrm>
+          <a:prstGeom prst="straightConnector1">
+            <a:avLst/>
+          </a:prstGeom>
+          <a:gradFill rotWithShape="0">
+            <a:gsLst>
+              <a:gs pos="0">
+                <a:schemeClr val="accent1"/>
+              </a:gs>
+              <a:gs pos="100000">
+                <a:schemeClr val="accent2"/>
+              </a:gs>
+            </a:gsLst>
+            <a:lin ang="5400000" scaled="1"/>
+          </a:gradFill>
+          <a:ln w="9525" cap="flat" cmpd="sng" algn="ctr">
+            <a:solidFill>
+              <a:schemeClr val="accent1"/>
+            </a:solidFill>
+            <a:prstDash val="solid"/>
+            <a:round/>
+            <a:headEnd type="none" w="med" len="med"/>
+            <a:tailEnd type="arrow" w="med" len="med"/>
+          </a:ln>
+        </p:spPr>
+      </p:cxnSp>
+      <p:cxnSp>
+        <p:nvCxnSpPr>
+          <p:cNvPr id="10" name="Straight Arrow Connector 9"/>
+          <p:cNvCxnSpPr>
+            <a:endCxn id="6" idx="1"/>
+          </p:cNvCxnSpPr>
+          <p:nvPr/>
+        </p:nvCxnSpPr>
+        <p:spPr>
+          <a:xfrm>
+            <a:off x="10388600" y="4744720"/>
+            <a:ext cx="783590" cy="480695"/>
+          </a:xfrm>
+          <a:prstGeom prst="straightConnector1">
+            <a:avLst/>
+          </a:prstGeom>
+          <a:gradFill rotWithShape="0">
+            <a:gsLst>
+              <a:gs pos="0">
+                <a:schemeClr val="accent1"/>
+              </a:gs>
+              <a:gs pos="100000">
+                <a:schemeClr val="accent2"/>
+              </a:gs>
+            </a:gsLst>
+            <a:lin ang="5400000" scaled="1"/>
+          </a:gradFill>
+          <a:ln w="9525" cap="flat" cmpd="sng" algn="ctr">
+            <a:solidFill>
+              <a:schemeClr val="accent1"/>
+            </a:solidFill>
+            <a:prstDash val="solid"/>
+            <a:round/>
+            <a:headEnd type="none" w="med" len="med"/>
+            <a:tailEnd type="arrow" w="med" len="med"/>
+          </a:ln>
+        </p:spPr>
+      </p:cxnSp>
     </p:spTree>
   </p:cSld>
   <p:clrMapOvr>
@@ -5384,10 +5821,10 @@
           </a:bodyPr>
           <a:p>
             <a:r>
-              <a:rPr lang="" altLang="en-US"/>
+              <a:rPr lang="en-US" altLang="en-US"/>
               <a:t>2.对应的dts文件</a:t>
             </a:r>
-            <a:endParaRPr lang="" altLang="en-US"/>
+            <a:endParaRPr lang="en-US" altLang="en-US"/>
           </a:p>
         </p:txBody>
       </p:sp>
@@ -5640,10 +6077,10 @@
               <a:t>LA.UM.7.2.r1/kernel/msm-4.4/arch/arm64/boot/dts/qcom</a:t>
             </a:r>
             <a:r>
-              <a:rPr lang="" altLang="en-US" sz="1200"/>
+              <a:rPr lang="en-US" altLang="en-US" sz="1200"/>
               <a:t>/sdm660-mtp.dtsi</a:t>
             </a:r>
-            <a:endParaRPr lang="" altLang="en-US" sz="1200"/>
+            <a:endParaRPr lang="en-US" altLang="en-US" sz="1200"/>
           </a:p>
         </p:txBody>
       </p:sp>
@@ -5669,10 +6106,10 @@
           </a:bodyPr>
           <a:p>
             <a:r>
-              <a:rPr lang="" altLang="en-US"/>
+              <a:rPr lang="en-US" altLang="en-US"/>
               <a:t>cy,core</a:t>
             </a:r>
-            <a:endParaRPr lang="" altLang="en-US"/>
+            <a:endParaRPr lang="en-US" altLang="en-US"/>
           </a:p>
         </p:txBody>
       </p:sp>
@@ -5698,17 +6135,17 @@
           </a:bodyPr>
           <a:p>
             <a:r>
-              <a:rPr lang="" altLang="en-US"/>
+              <a:rPr lang="en-US" altLang="en-US"/>
               <a:t>cy,mt</a:t>
             </a:r>
-            <a:endParaRPr lang="" altLang="en-US"/>
-          </a:p>
-          <a:p>
-            <a:r>
-              <a:rPr lang="" altLang="en-US"/>
+            <a:endParaRPr lang="en-US" altLang="en-US"/>
+          </a:p>
+          <a:p>
+            <a:r>
+              <a:rPr lang="en-US" altLang="en-US"/>
               <a:t>多点触摸节点</a:t>
             </a:r>
-            <a:endParaRPr lang="" altLang="en-US"/>
+            <a:endParaRPr lang="en-US" altLang="en-US"/>
           </a:p>
         </p:txBody>
       </p:sp>
@@ -5734,17 +6171,17 @@
           </a:bodyPr>
           <a:p>
             <a:r>
-              <a:rPr lang="" altLang="en-US"/>
+              <a:rPr lang="en-US" altLang="en-US"/>
               <a:t>cy,btn</a:t>
             </a:r>
-            <a:endParaRPr lang="" altLang="en-US"/>
-          </a:p>
-          <a:p>
-            <a:r>
-              <a:rPr lang="" altLang="en-US"/>
+            <a:endParaRPr lang="en-US" altLang="en-US"/>
+          </a:p>
+          <a:p>
+            <a:r>
+              <a:rPr lang="en-US" altLang="en-US"/>
               <a:t>按键节点</a:t>
             </a:r>
-            <a:endParaRPr lang="" altLang="en-US"/>
+            <a:endParaRPr lang="en-US" altLang="en-US"/>
           </a:p>
         </p:txBody>
       </p:sp>
@@ -5770,17 +6207,17 @@
           </a:bodyPr>
           <a:p>
             <a:r>
-              <a:rPr lang="" altLang="en-US"/>
+              <a:rPr lang="en-US" altLang="en-US"/>
               <a:t>cy,proximity</a:t>
             </a:r>
-            <a:endParaRPr lang="" altLang="en-US"/>
-          </a:p>
-          <a:p>
-            <a:r>
-              <a:rPr lang="" altLang="en-US"/>
+            <a:endParaRPr lang="en-US" altLang="en-US"/>
+          </a:p>
+          <a:p>
+            <a:r>
+              <a:rPr lang="en-US" altLang="en-US"/>
               <a:t>接近物体节点 </a:t>
             </a:r>
-            <a:endParaRPr lang="" altLang="en-US"/>
+            <a:endParaRPr lang="en-US" altLang="en-US"/>
           </a:p>
         </p:txBody>
       </p:sp>
@@ -5956,10 +6393,10 @@
           </a:bodyPr>
           <a:p>
             <a:r>
-              <a:rPr lang="" altLang="en-US"/>
+              <a:rPr lang="en-US" altLang="en-US"/>
               <a:t>3.驱动代码分析</a:t>
             </a:r>
-            <a:endParaRPr lang="" altLang="en-US"/>
+            <a:endParaRPr lang="en-US" altLang="en-US"/>
           </a:p>
         </p:txBody>
       </p:sp>
@@ -5985,10 +6422,10 @@
           </a:bodyPr>
           <a:p>
             <a:r>
-              <a:rPr lang="" altLang="en-US" sz="1200"/>
+              <a:rPr lang="en-US" altLang="en-US" sz="1200"/>
               <a:t>3.1初始化代码</a:t>
             </a:r>
-            <a:endParaRPr lang="" altLang="en-US" sz="1200"/>
+            <a:endParaRPr lang="en-US" altLang="en-US" sz="1200"/>
           </a:p>
         </p:txBody>
       </p:sp>
@@ -6382,10 +6819,10 @@
           </a:bodyPr>
           <a:p>
             <a:r>
-              <a:rPr lang="" altLang="en-US" sz="1200"/>
+              <a:rPr lang="en-US" altLang="en-US" sz="1200"/>
               <a:t>3.2probe分析</a:t>
             </a:r>
-            <a:endParaRPr lang="" altLang="en-US" sz="1200"/>
+            <a:endParaRPr lang="en-US" altLang="en-US" sz="1200"/>
           </a:p>
         </p:txBody>
       </p:sp>
@@ -6415,10 +6852,10 @@
               <a:t> cyttsp5_i2c_probe</a:t>
             </a:r>
             <a:r>
-              <a:rPr lang="" altLang="en-US" sz="1200"/>
+              <a:rPr lang="en-US" altLang="en-US" sz="1200"/>
               <a:t>()</a:t>
             </a:r>
-            <a:endParaRPr lang="" altLang="en-US" sz="1200"/>
+            <a:endParaRPr lang="en-US" altLang="en-US" sz="1200"/>
           </a:p>
         </p:txBody>
       </p:sp>
@@ -6448,10 +6885,10 @@
               <a:t>cyttsp5_probe</a:t>
             </a:r>
             <a:r>
-              <a:rPr lang="" altLang="en-US" sz="1200"/>
+              <a:rPr lang="en-US" altLang="en-US" sz="1200"/>
               <a:t>()</a:t>
             </a:r>
-            <a:endParaRPr lang="" altLang="en-US" sz="1200"/>
+            <a:endParaRPr lang="en-US" altLang="en-US" sz="1200"/>
           </a:p>
         </p:txBody>
       </p:sp>
@@ -6513,10 +6950,10 @@
           </a:bodyPr>
           <a:p>
             <a:r>
-              <a:rPr lang="" altLang="en-US"/>
+              <a:rPr lang="en-US" altLang="en-US"/>
               <a:t>调用</a:t>
             </a:r>
-            <a:endParaRPr lang="" altLang="en-US"/>
+            <a:endParaRPr lang="en-US" altLang="en-US"/>
           </a:p>
         </p:txBody>
       </p:sp>
@@ -6550,7 +6987,6 @@
             </a:r>
             <a:r>
               <a:rPr lang="en-US" sz="1200">
-                <a:ln/>
                 <a:solidFill>
                   <a:schemeClr val="tx1"/>
                 </a:solidFill>
@@ -6566,7 +7002,6 @@
             </a:r>
             <a:r>
               <a:rPr lang="en-US" sz="1200">
-                <a:ln/>
                 <a:solidFill>
                   <a:srgbClr val="FF0000"/>
                 </a:solidFill>
@@ -6797,7 +7232,6 @@
             </a:r>
             <a:r>
               <a:rPr lang="en-US" sz="1200">
-                <a:ln/>
                 <a:solidFill>
                   <a:srgbClr val="FF0000"/>
                 </a:solidFill>
@@ -6812,7 +7246,6 @@
               <a:t> /* get context and debug print buffers */</a:t>
             </a:r>
             <a:endParaRPr lang="en-US" sz="1200">
-              <a:ln/>
               <a:solidFill>
                 <a:srgbClr val="FF0000"/>
               </a:solidFill>
@@ -6870,7 +7303,6 @@
             </a:r>
             <a:r>
               <a:rPr lang="en-US" sz="1200">
-                <a:ln/>
                 <a:solidFill>
                   <a:srgbClr val="FF0000"/>
                 </a:solidFill>
@@ -6885,7 +7317,6 @@
               <a:t>* Initialize device info */</a:t>
             </a:r>
             <a:endParaRPr lang="en-US" sz="1200">
-              <a:ln/>
               <a:solidFill>
                 <a:srgbClr val="FF0000"/>
               </a:solidFill>
@@ -7078,7 +7509,6 @@
             </a:r>
             <a:r>
               <a:rPr lang="en-US" sz="1200">
-                <a:ln/>
                 <a:solidFill>
                   <a:srgbClr val="FF0000"/>
                 </a:solidFill>
@@ -7710,10 +8140,10 @@
           </a:bodyPr>
           <a:p>
             <a:r>
-              <a:rPr lang="" altLang="en-US" sz="1200"/>
+              <a:rPr lang="en-US" altLang="en-US" sz="1200"/>
               <a:t>3.3数据上报分析</a:t>
             </a:r>
-            <a:endParaRPr lang="" altLang="en-US" sz="1200"/>
+            <a:endParaRPr lang="en-US" altLang="en-US" sz="1200"/>
           </a:p>
         </p:txBody>
       </p:sp>
@@ -7743,10 +8173,10 @@
               <a:t>cyttsp5_setup_irq_gpio</a:t>
             </a:r>
             <a:r>
-              <a:rPr lang="" altLang="en-US"/>
+              <a:rPr lang="en-US" altLang="en-US"/>
               <a:t>()</a:t>
             </a:r>
-            <a:endParaRPr lang="" altLang="en-US"/>
+            <a:endParaRPr lang="en-US" altLang="en-US"/>
           </a:p>
         </p:txBody>
       </p:sp>
@@ -7778,12 +8208,12 @@
               <a:t>cyttsp5_probe</a:t>
             </a:r>
             <a:r>
-              <a:rPr lang="" altLang="en-US">
+              <a:rPr lang="en-US" altLang="en-US">
                 <a:sym typeface="+mn-ea"/>
               </a:rPr>
               <a:t>()</a:t>
             </a:r>
-            <a:endParaRPr lang="" altLang="en-US">
+            <a:endParaRPr lang="en-US" altLang="en-US">
               <a:sym typeface="+mn-ea"/>
             </a:endParaRPr>
           </a:p>
@@ -7815,10 +8245,10 @@
               <a:t> gpio_to_irq</a:t>
             </a:r>
             <a:r>
-              <a:rPr lang="" altLang="en-US"/>
+              <a:rPr lang="en-US" altLang="en-US"/>
               <a:t>()</a:t>
             </a:r>
-            <a:endParaRPr lang="" altLang="en-US"/>
+            <a:endParaRPr lang="en-US" altLang="en-US"/>
           </a:p>
         </p:txBody>
       </p:sp>
@@ -7849,7 +8279,6 @@
           <a:p>
             <a:r>
               <a:rPr lang="en-US">
-                <a:ln/>
                 <a:solidFill>
                   <a:schemeClr val="tx1"/>
                 </a:solidFill>
@@ -7864,7 +8293,6 @@
               <a:t>request_threaded_irq()</a:t>
             </a:r>
             <a:endParaRPr lang="en-US">
-              <a:ln/>
               <a:solidFill>
                 <a:schemeClr val="tx1"/>
               </a:solidFill>
@@ -8281,10 +8709,10 @@
           </a:bodyPr>
           <a:p>
             <a:r>
-              <a:rPr lang="" altLang="en-US" sz="1200"/>
+              <a:rPr lang="en-US" altLang="en-US" sz="1200"/>
               <a:t>3.4创建接口</a:t>
             </a:r>
-            <a:endParaRPr lang="" altLang="en-US" sz="1200"/>
+            <a:endParaRPr lang="en-US" altLang="en-US" sz="1200"/>
           </a:p>
         </p:txBody>
       </p:sp>
@@ -8372,10 +8800,10 @@
               <a:t>device_create_file</a:t>
             </a:r>
             <a:r>
-              <a:rPr lang="" altLang="en-US"/>
+              <a:rPr lang="en-US" altLang="en-US"/>
               <a:t>()单个接口节点的创建</a:t>
             </a:r>
-            <a:endParaRPr lang="" altLang="en-US"/>
+            <a:endParaRPr lang="en-US" altLang="en-US"/>
           </a:p>
         </p:txBody>
       </p:sp>
@@ -8756,10 +9184,10 @@
           </a:bodyPr>
           <a:p>
             <a:r>
-              <a:rPr lang="" altLang="en-US"/>
+              <a:rPr lang="en-US" altLang="en-US"/>
               <a:t> 区别:sysfs_create_group()多个接口节点的创建</a:t>
             </a:r>
-            <a:endParaRPr lang="" altLang="en-US"/>
+            <a:endParaRPr lang="en-US" altLang="en-US"/>
           </a:p>
         </p:txBody>
       </p:sp>

--- a/learn/TP.pptx
+++ b/learn/TP.pptx
@@ -23,9 +23,18 @@
     <p:sldId id="268" r:id="rId16"/>
     <p:sldId id="269" r:id="rId17"/>
     <p:sldId id="270" r:id="rId18"/>
-    <p:sldId id="271" r:id="rId19"/>
-    <p:sldId id="272" r:id="rId20"/>
-    <p:sldId id="273" r:id="rId21"/>
+    <p:sldId id="272" r:id="rId19"/>
+    <p:sldId id="275" r:id="rId20"/>
+    <p:sldId id="276" r:id="rId21"/>
+    <p:sldId id="277" r:id="rId22"/>
+    <p:sldId id="278" r:id="rId23"/>
+    <p:sldId id="279" r:id="rId24"/>
+    <p:sldId id="273" r:id="rId25"/>
+    <p:sldId id="284" r:id="rId26"/>
+    <p:sldId id="280" r:id="rId27"/>
+    <p:sldId id="281" r:id="rId28"/>
+    <p:sldId id="282" r:id="rId29"/>
+    <p:sldId id="283" r:id="rId30"/>
   </p:sldIdLst>
   <p:sldSz cx="12192000" cy="6858000"/>
   <p:notesSz cx="6858000" cy="9144000"/>
@@ -5198,7 +5207,7 @@
           </a:bodyPr>
           <a:p>
             <a:r>
-              <a:rPr lang="" altLang="en-US" sz="1400"/>
+              <a:rPr lang="en-US" altLang="en-US" sz="1400"/>
               <a:t>4</a:t>
             </a:r>
             <a:r>
@@ -5363,7 +5372,7 @@
           </a:bodyPr>
           <a:p>
             <a:r>
-              <a:rPr lang="" altLang="en-US"/>
+              <a:rPr lang="en-US" altLang="en-US"/>
               <a:t>5.</a:t>
             </a:r>
             <a:r>
@@ -5739,6 +5748,893 @@
           </a:prstGeom>
         </p:spPr>
       </p:pic>
+      <p:sp>
+        <p:nvSpPr>
+          <p:cNvPr id="2" name="Text Box 1"/>
+          <p:cNvSpPr txBox="1"/>
+          <p:nvPr/>
+        </p:nvSpPr>
+        <p:spPr>
+          <a:xfrm>
+            <a:off x="126365" y="286385"/>
+            <a:ext cx="4060190" cy="368300"/>
+          </a:xfrm>
+          <a:prstGeom prst="rect">
+            <a:avLst/>
+          </a:prstGeom>
+          <a:noFill/>
+        </p:spPr>
+        <p:txBody>
+          <a:bodyPr wrap="square" rtlCol="0">
+            <a:spAutoFit/>
+          </a:bodyPr>
+          <a:p>
+            <a:r>
+              <a:rPr lang="" altLang="en-US"/>
+              <a:t>LCD</a:t>
+            </a:r>
+            <a:r>
+              <a:rPr lang="en-US"/>
+              <a:t>亮灭屏代码分析</a:t>
+            </a:r>
+            <a:endParaRPr lang="en-US"/>
+          </a:p>
+        </p:txBody>
+      </p:sp>
+      <p:sp>
+        <p:nvSpPr>
+          <p:cNvPr id="3" name="Text Box 2"/>
+          <p:cNvSpPr txBox="1"/>
+          <p:nvPr/>
+        </p:nvSpPr>
+        <p:spPr>
+          <a:xfrm>
+            <a:off x="126365" y="996950"/>
+            <a:ext cx="2957830" cy="368300"/>
+          </a:xfrm>
+          <a:prstGeom prst="rect">
+            <a:avLst/>
+          </a:prstGeom>
+          <a:noFill/>
+        </p:spPr>
+        <p:txBody>
+          <a:bodyPr wrap="square" rtlCol="0">
+            <a:spAutoFit/>
+          </a:bodyPr>
+          <a:p>
+            <a:r>
+              <a:rPr lang="" altLang="en-US"/>
+              <a:t>1.背光注册流程</a:t>
+            </a:r>
+            <a:endParaRPr lang="" altLang="en-US"/>
+          </a:p>
+        </p:txBody>
+      </p:sp>
+      <p:sp>
+        <p:nvSpPr>
+          <p:cNvPr id="4" name="Text Box 3"/>
+          <p:cNvSpPr txBox="1"/>
+          <p:nvPr/>
+        </p:nvSpPr>
+        <p:spPr>
+          <a:xfrm>
+            <a:off x="7963535" y="1177925"/>
+            <a:ext cx="2540000" cy="368300"/>
+          </a:xfrm>
+          <a:prstGeom prst="rect">
+            <a:avLst/>
+          </a:prstGeom>
+          <a:noFill/>
+        </p:spPr>
+        <p:txBody>
+          <a:bodyPr wrap="square" rtlCol="0" anchor="t">
+            <a:spAutoFit/>
+          </a:bodyPr>
+          <a:p>
+            <a:r>
+              <a:rPr lang="en-US"/>
+              <a:t>mdss_fb_probe</a:t>
+            </a:r>
+            <a:r>
+              <a:rPr lang="" altLang="en-US"/>
+              <a:t>()</a:t>
+            </a:r>
+            <a:endParaRPr lang="" altLang="en-US"/>
+          </a:p>
+        </p:txBody>
+      </p:sp>
+      <p:sp>
+        <p:nvSpPr>
+          <p:cNvPr id="5" name="Text Box 4"/>
+          <p:cNvSpPr txBox="1"/>
+          <p:nvPr/>
+        </p:nvSpPr>
+        <p:spPr>
+          <a:xfrm>
+            <a:off x="2016760" y="996950"/>
+            <a:ext cx="2540000" cy="368300"/>
+          </a:xfrm>
+          <a:prstGeom prst="rect">
+            <a:avLst/>
+          </a:prstGeom>
+          <a:noFill/>
+        </p:spPr>
+        <p:txBody>
+          <a:bodyPr wrap="square" rtlCol="0" anchor="t">
+            <a:spAutoFit/>
+          </a:bodyPr>
+          <a:p>
+            <a:r>
+              <a:rPr lang="en-US"/>
+              <a:t>// mdss_fb.c</a:t>
+            </a:r>
+            <a:endParaRPr lang="en-US"/>
+          </a:p>
+        </p:txBody>
+      </p:sp>
+      <p:sp>
+        <p:nvSpPr>
+          <p:cNvPr id="6" name="Text Box 5"/>
+          <p:cNvSpPr txBox="1"/>
+          <p:nvPr/>
+        </p:nvSpPr>
+        <p:spPr>
+          <a:xfrm>
+            <a:off x="5356225" y="1919605"/>
+            <a:ext cx="2540000" cy="368300"/>
+          </a:xfrm>
+          <a:prstGeom prst="rect">
+            <a:avLst/>
+          </a:prstGeom>
+          <a:noFill/>
+        </p:spPr>
+        <p:txBody>
+          <a:bodyPr wrap="square" rtlCol="0" anchor="t">
+            <a:spAutoFit/>
+          </a:bodyPr>
+          <a:p>
+            <a:r>
+              <a:rPr lang="en-US"/>
+              <a:t> mdss_fb_register</a:t>
+            </a:r>
+            <a:r>
+              <a:rPr lang="" altLang="en-US"/>
+              <a:t>()</a:t>
+            </a:r>
+            <a:endParaRPr lang="" altLang="en-US"/>
+          </a:p>
+        </p:txBody>
+      </p:sp>
+      <p:sp>
+        <p:nvSpPr>
+          <p:cNvPr id="7" name="Text Box 6"/>
+          <p:cNvSpPr txBox="1"/>
+          <p:nvPr/>
+        </p:nvSpPr>
+        <p:spPr>
+          <a:xfrm>
+            <a:off x="8945880" y="1919605"/>
+            <a:ext cx="3832860" cy="368300"/>
+          </a:xfrm>
+          <a:prstGeom prst="rect">
+            <a:avLst/>
+          </a:prstGeom>
+          <a:noFill/>
+        </p:spPr>
+        <p:txBody>
+          <a:bodyPr wrap="square" rtlCol="0" anchor="t">
+            <a:spAutoFit/>
+          </a:bodyPr>
+          <a:p>
+            <a:r>
+              <a:rPr lang="en-US"/>
+              <a:t>led_classdev_register</a:t>
+            </a:r>
+            <a:r>
+              <a:rPr lang="" altLang="en-US"/>
+              <a:t>()</a:t>
+            </a:r>
+            <a:endParaRPr lang="" altLang="en-US"/>
+          </a:p>
+        </p:txBody>
+      </p:sp>
+      <p:sp>
+        <p:nvSpPr>
+          <p:cNvPr id="8" name="Text Box 7"/>
+          <p:cNvSpPr txBox="1"/>
+          <p:nvPr/>
+        </p:nvSpPr>
+        <p:spPr>
+          <a:xfrm>
+            <a:off x="7463790" y="2883535"/>
+            <a:ext cx="4236085" cy="368300"/>
+          </a:xfrm>
+          <a:prstGeom prst="rect">
+            <a:avLst/>
+          </a:prstGeom>
+          <a:noFill/>
+        </p:spPr>
+        <p:txBody>
+          <a:bodyPr wrap="square" rtlCol="0" anchor="t">
+            <a:spAutoFit/>
+          </a:bodyPr>
+          <a:p>
+            <a:r>
+              <a:rPr lang="en-US"/>
+              <a:t>register_framebuffer</a:t>
+            </a:r>
+            <a:r>
+              <a:rPr lang="" altLang="en-US"/>
+              <a:t>()</a:t>
+            </a:r>
+            <a:endParaRPr lang="" altLang="en-US"/>
+          </a:p>
+        </p:txBody>
+      </p:sp>
+      <p:cxnSp>
+        <p:nvCxnSpPr>
+          <p:cNvPr id="9" name="Straight Arrow Connector 8"/>
+          <p:cNvCxnSpPr>
+            <a:endCxn id="6" idx="0"/>
+          </p:cNvCxnSpPr>
+          <p:nvPr/>
+        </p:nvCxnSpPr>
+        <p:spPr>
+          <a:xfrm flipH="1">
+            <a:off x="6626225" y="1484630"/>
+            <a:ext cx="1981835" cy="434975"/>
+          </a:xfrm>
+          <a:prstGeom prst="straightConnector1">
+            <a:avLst/>
+          </a:prstGeom>
+          <a:gradFill rotWithShape="0">
+            <a:gsLst>
+              <a:gs pos="0">
+                <a:schemeClr val="accent1"/>
+              </a:gs>
+              <a:gs pos="100000">
+                <a:schemeClr val="accent2"/>
+              </a:gs>
+            </a:gsLst>
+            <a:lin ang="5400000" scaled="1"/>
+          </a:gradFill>
+          <a:ln w="9525" cap="flat" cmpd="sng" algn="ctr">
+            <a:solidFill>
+              <a:schemeClr val="accent1"/>
+            </a:solidFill>
+            <a:prstDash val="solid"/>
+            <a:round/>
+            <a:headEnd type="none" w="med" len="med"/>
+            <a:tailEnd type="arrow" w="med" len="med"/>
+          </a:ln>
+        </p:spPr>
+      </p:cxnSp>
+      <p:cxnSp>
+        <p:nvCxnSpPr>
+          <p:cNvPr id="10" name="Straight Arrow Connector 9"/>
+          <p:cNvCxnSpPr/>
+          <p:nvPr/>
+        </p:nvCxnSpPr>
+        <p:spPr>
+          <a:xfrm>
+            <a:off x="8756015" y="1537335"/>
+            <a:ext cx="1038860" cy="509270"/>
+          </a:xfrm>
+          <a:prstGeom prst="straightConnector1">
+            <a:avLst/>
+          </a:prstGeom>
+          <a:gradFill rotWithShape="0">
+            <a:gsLst>
+              <a:gs pos="0">
+                <a:schemeClr val="accent1"/>
+              </a:gs>
+              <a:gs pos="100000">
+                <a:schemeClr val="accent2"/>
+              </a:gs>
+            </a:gsLst>
+            <a:lin ang="5400000" scaled="1"/>
+          </a:gradFill>
+          <a:ln w="9525" cap="flat" cmpd="sng" algn="ctr">
+            <a:solidFill>
+              <a:schemeClr val="accent1"/>
+            </a:solidFill>
+            <a:prstDash val="solid"/>
+            <a:round/>
+            <a:headEnd type="none" w="med" len="med"/>
+            <a:tailEnd type="arrow" w="med" len="med"/>
+          </a:ln>
+        </p:spPr>
+      </p:cxnSp>
+      <p:cxnSp>
+        <p:nvCxnSpPr>
+          <p:cNvPr id="11" name="Straight Arrow Connector 10"/>
+          <p:cNvCxnSpPr/>
+          <p:nvPr/>
+        </p:nvCxnSpPr>
+        <p:spPr>
+          <a:xfrm>
+            <a:off x="6932930" y="2332990"/>
+            <a:ext cx="1123315" cy="720725"/>
+          </a:xfrm>
+          <a:prstGeom prst="straightConnector1">
+            <a:avLst/>
+          </a:prstGeom>
+          <a:gradFill rotWithShape="0">
+            <a:gsLst>
+              <a:gs pos="0">
+                <a:schemeClr val="accent1"/>
+              </a:gs>
+              <a:gs pos="100000">
+                <a:schemeClr val="accent2"/>
+              </a:gs>
+            </a:gsLst>
+            <a:lin ang="5400000" scaled="1"/>
+          </a:gradFill>
+          <a:ln w="9525" cap="flat" cmpd="sng" algn="ctr">
+            <a:solidFill>
+              <a:schemeClr val="accent1"/>
+            </a:solidFill>
+            <a:prstDash val="solid"/>
+            <a:round/>
+            <a:headEnd type="none" w="med" len="med"/>
+            <a:tailEnd type="arrow" w="med" len="med"/>
+          </a:ln>
+        </p:spPr>
+      </p:cxnSp>
+      <p:sp>
+        <p:nvSpPr>
+          <p:cNvPr id="12" name="Text Box 11"/>
+          <p:cNvSpPr txBox="1"/>
+          <p:nvPr/>
+        </p:nvSpPr>
+        <p:spPr>
+          <a:xfrm>
+            <a:off x="9013825" y="2238375"/>
+            <a:ext cx="2540000" cy="645160"/>
+          </a:xfrm>
+          <a:prstGeom prst="rect">
+            <a:avLst/>
+          </a:prstGeom>
+          <a:noFill/>
+        </p:spPr>
+        <p:txBody>
+          <a:bodyPr wrap="square" rtlCol="0" anchor="t">
+            <a:spAutoFit/>
+          </a:bodyPr>
+          <a:p>
+            <a:r>
+              <a:rPr lang="en-US"/>
+              <a:t>// 注册 backlight  sys节点及set函数实现</a:t>
+            </a:r>
+            <a:endParaRPr lang="en-US"/>
+          </a:p>
+        </p:txBody>
+      </p:sp>
+      <p:sp>
+        <p:nvSpPr>
+          <p:cNvPr id="13" name="Text Box 12"/>
+          <p:cNvSpPr txBox="1"/>
+          <p:nvPr/>
+        </p:nvSpPr>
+        <p:spPr>
+          <a:xfrm>
+            <a:off x="5356225" y="2287905"/>
+            <a:ext cx="2540000" cy="368300"/>
+          </a:xfrm>
+          <a:prstGeom prst="rect">
+            <a:avLst/>
+          </a:prstGeom>
+          <a:noFill/>
+        </p:spPr>
+        <p:txBody>
+          <a:bodyPr wrap="square" rtlCol="0" anchor="t">
+            <a:spAutoFit/>
+          </a:bodyPr>
+          <a:p>
+            <a:r>
+              <a:rPr lang="en-US"/>
+              <a:t>// fb</a:t>
+            </a:r>
+            <a:r>
+              <a:rPr lang="" altLang="en-US"/>
+              <a:t>i</a:t>
+            </a:r>
+            <a:r>
+              <a:rPr lang="en-US"/>
+              <a:t> 结构赋值</a:t>
+            </a:r>
+            <a:endParaRPr lang="en-US"/>
+          </a:p>
+        </p:txBody>
+      </p:sp>
+      <p:sp>
+        <p:nvSpPr>
+          <p:cNvPr id="14" name="Text Box 13"/>
+          <p:cNvSpPr txBox="1"/>
+          <p:nvPr/>
+        </p:nvSpPr>
+        <p:spPr>
+          <a:xfrm>
+            <a:off x="10081895" y="2883535"/>
+            <a:ext cx="2540000" cy="368300"/>
+          </a:xfrm>
+          <a:prstGeom prst="rect">
+            <a:avLst/>
+          </a:prstGeom>
+          <a:noFill/>
+        </p:spPr>
+        <p:txBody>
+          <a:bodyPr wrap="square" rtlCol="0" anchor="t">
+            <a:spAutoFit/>
+          </a:bodyPr>
+          <a:p>
+            <a:r>
+              <a:rPr lang="en-US"/>
+              <a:t> </a:t>
+            </a:r>
+            <a:r>
+              <a:rPr lang="" altLang="en-US"/>
+              <a:t>//</a:t>
+            </a:r>
+            <a:r>
+              <a:rPr lang="en-US"/>
+              <a:t>register fbx</a:t>
+            </a:r>
+            <a:endParaRPr lang="en-US"/>
+          </a:p>
+        </p:txBody>
+      </p:sp>
+      <p:sp>
+        <p:nvSpPr>
+          <p:cNvPr id="16" name="Text Box 15"/>
+          <p:cNvSpPr txBox="1"/>
+          <p:nvPr/>
+        </p:nvSpPr>
+        <p:spPr>
+          <a:xfrm>
+            <a:off x="-479425" y="2745105"/>
+            <a:ext cx="7531735" cy="1599565"/>
+          </a:xfrm>
+          <a:prstGeom prst="rect">
+            <a:avLst/>
+          </a:prstGeom>
+          <a:noFill/>
+        </p:spPr>
+        <p:txBody>
+          <a:bodyPr wrap="square" rtlCol="0" anchor="t">
+            <a:spAutoFit/>
+          </a:bodyPr>
+          <a:p>
+            <a:r>
+              <a:rPr lang="en-US" sz="1400"/>
+              <a:t>         </a:t>
+            </a:r>
+            <a:r>
+              <a:rPr lang="en-US" sz="1400">
+                <a:solidFill>
+                  <a:srgbClr val="FF0000"/>
+                </a:solidFill>
+              </a:rPr>
+              <a:t>mdss_fb_register</a:t>
+            </a:r>
+            <a:r>
+              <a:rPr lang="en-US" sz="1400"/>
+              <a:t>(struct msm_fb_data_type *mfd)</a:t>
+            </a:r>
+            <a:endParaRPr lang="en-US" sz="1400"/>
+          </a:p>
+          <a:p>
+            <a:r>
+              <a:rPr lang="en-US" sz="1400"/>
+              <a:t>                struct fb_info *fbi = mfd-&gt;fbi;     </a:t>
+            </a:r>
+            <a:endParaRPr lang="en-US" sz="1400"/>
+          </a:p>
+          <a:p>
+            <a:r>
+              <a:rPr lang="en-US" sz="1400"/>
+              <a:t>                .....   </a:t>
+            </a:r>
+            <a:endParaRPr lang="en-US" sz="1400"/>
+          </a:p>
+          <a:p>
+            <a:r>
+              <a:rPr lang="en-US" sz="1400"/>
+              <a:t>                fix = &amp;fbi-&gt;fix;</a:t>
+            </a:r>
+            <a:endParaRPr lang="en-US" sz="1400"/>
+          </a:p>
+          <a:p>
+            <a:r>
+              <a:rPr lang="en-US" sz="1400"/>
+              <a:t>                var = &amp;fbi-&gt;var;</a:t>
+            </a:r>
+            <a:endParaRPr lang="en-US" sz="1400"/>
+          </a:p>
+          <a:p>
+            <a:r>
+              <a:rPr lang="en-US" sz="1400"/>
+              <a:t>                fbi-&gt;fbops = </a:t>
+            </a:r>
+            <a:r>
+              <a:rPr lang="en-US" sz="1400">
+                <a:solidFill>
+                  <a:srgbClr val="FF0000"/>
+                </a:solidFill>
+              </a:rPr>
+              <a:t>&amp;mdss_fb_ops</a:t>
+            </a:r>
+            <a:r>
+              <a:rPr lang="en-US" sz="1400"/>
+              <a:t>;  //ops</a:t>
+            </a:r>
+            <a:endParaRPr lang="en-US" sz="1400"/>
+          </a:p>
+          <a:p>
+            <a:endParaRPr lang="en-US" sz="1400"/>
+          </a:p>
+        </p:txBody>
+      </p:sp>
+      <p:sp>
+        <p:nvSpPr>
+          <p:cNvPr id="17" name="Text Box 16"/>
+          <p:cNvSpPr txBox="1"/>
+          <p:nvPr/>
+        </p:nvSpPr>
+        <p:spPr>
+          <a:xfrm>
+            <a:off x="126365" y="4685030"/>
+            <a:ext cx="5625465" cy="1168400"/>
+          </a:xfrm>
+          <a:prstGeom prst="rect">
+            <a:avLst/>
+          </a:prstGeom>
+          <a:noFill/>
+        </p:spPr>
+        <p:txBody>
+          <a:bodyPr wrap="square" rtlCol="0" anchor="t">
+            <a:spAutoFit/>
+          </a:bodyPr>
+          <a:p>
+            <a:r>
+              <a:rPr lang="en-US" sz="1400"/>
+              <a:t> static struct fb_ops </a:t>
+            </a:r>
+            <a:r>
+              <a:rPr lang="en-US" sz="1400">
+                <a:solidFill>
+                  <a:srgbClr val="FF0000"/>
+                </a:solidFill>
+              </a:rPr>
+              <a:t>mdss_fb_ops</a:t>
+            </a:r>
+            <a:r>
+              <a:rPr lang="en-US" sz="1400"/>
+              <a:t> = {</a:t>
+            </a:r>
+            <a:endParaRPr lang="en-US" sz="1400"/>
+          </a:p>
+          <a:p>
+            <a:r>
+              <a:rPr lang="en-US" sz="1400"/>
+              <a:t>                                         ...    </a:t>
+            </a:r>
+            <a:endParaRPr lang="en-US" sz="1400"/>
+          </a:p>
+          <a:p>
+            <a:r>
+              <a:rPr lang="en-US" sz="1400"/>
+              <a:t>       .fb_blank = </a:t>
+            </a:r>
+            <a:r>
+              <a:rPr lang="en-US" sz="1400">
+                <a:solidFill>
+                  <a:srgbClr val="FF0000"/>
+                </a:solidFill>
+              </a:rPr>
+              <a:t>mdss_fb_blank</a:t>
+            </a:r>
+            <a:r>
+              <a:rPr lang="en-US" sz="1400"/>
+              <a:t>,  /* blank display */</a:t>
+            </a:r>
+            <a:endParaRPr lang="en-US" sz="1400"/>
+          </a:p>
+          <a:p>
+            <a:r>
+              <a:rPr lang="en-US" sz="1400"/>
+              <a:t>                                     ...</a:t>
+            </a:r>
+            <a:endParaRPr lang="en-US" sz="1400"/>
+          </a:p>
+          <a:p>
+            <a:r>
+              <a:rPr lang="en-US" sz="1400"/>
+              <a:t>                                 };</a:t>
+            </a:r>
+            <a:endParaRPr lang="en-US" sz="1400"/>
+          </a:p>
+        </p:txBody>
+      </p:sp>
+      <p:sp>
+        <p:nvSpPr>
+          <p:cNvPr id="18" name="Text Box 17"/>
+          <p:cNvSpPr txBox="1"/>
+          <p:nvPr/>
+        </p:nvSpPr>
+        <p:spPr>
+          <a:xfrm>
+            <a:off x="4994275" y="3510280"/>
+            <a:ext cx="6885940" cy="2461260"/>
+          </a:xfrm>
+          <a:prstGeom prst="rect">
+            <a:avLst/>
+          </a:prstGeom>
+          <a:noFill/>
+        </p:spPr>
+        <p:txBody>
+          <a:bodyPr wrap="square" rtlCol="0" anchor="t">
+            <a:spAutoFit/>
+          </a:bodyPr>
+          <a:p>
+            <a:r>
+              <a:rPr lang="en-US" sz="1400"/>
+              <a:t> </a:t>
+            </a:r>
+            <a:r>
+              <a:rPr lang="en-US" sz="1400">
+                <a:solidFill>
+                  <a:srgbClr val="FF0000"/>
+                </a:solidFill>
+              </a:rPr>
+              <a:t>mdss_fb_blank</a:t>
+            </a:r>
+            <a:endParaRPr lang="en-US" sz="1400"/>
+          </a:p>
+          <a:p>
+            <a:r>
+              <a:rPr lang="en-US" sz="1400"/>
+              <a:t>           </a:t>
+            </a:r>
+            <a:r>
+              <a:rPr lang="en-US" sz="1400">
+                <a:solidFill>
+                  <a:srgbClr val="FF0000"/>
+                </a:solidFill>
+              </a:rPr>
+              <a:t>mdss_fb_blank_sub</a:t>
+            </a:r>
+            <a:endParaRPr lang="en-US" sz="1400">
+              <a:solidFill>
+                <a:srgbClr val="FF0000"/>
+              </a:solidFill>
+            </a:endParaRPr>
+          </a:p>
+          <a:p>
+            <a:r>
+              <a:rPr lang="en-US" sz="1400"/>
+              <a:t>                   case FB_BLANK_UNBLANK:</a:t>
+            </a:r>
+            <a:endParaRPr lang="en-US" sz="1400"/>
+          </a:p>
+          <a:p>
+            <a:r>
+              <a:rPr lang="en-US" sz="1400"/>
+              <a:t>                             mdss_fb_blank_unblank(mfd);                         /</a:t>
+            </a:r>
+            <a:r>
+              <a:rPr lang="en-US" sz="1400">
+                <a:solidFill>
+                  <a:srgbClr val="FF0000"/>
+                </a:solidFill>
+              </a:rPr>
+              <a:t>/light up</a:t>
+            </a:r>
+            <a:endParaRPr lang="en-US" sz="1400">
+              <a:solidFill>
+                <a:srgbClr val="FF0000"/>
+              </a:solidFill>
+            </a:endParaRPr>
+          </a:p>
+          <a:p>
+            <a:r>
+              <a:rPr lang="en-US" sz="1400"/>
+              <a:t>                                                     break;            </a:t>
+            </a:r>
+            <a:endParaRPr lang="en-US" sz="1400"/>
+          </a:p>
+          <a:p>
+            <a:endParaRPr lang="en-US" sz="1400"/>
+          </a:p>
+          <a:p>
+            <a:r>
+              <a:rPr lang="en-US" sz="1400"/>
+              <a:t>                    case FB_BLANK_HSYNC_SUSPEND:</a:t>
+            </a:r>
+            <a:endParaRPr lang="en-US" sz="1400"/>
+          </a:p>
+          <a:p>
+            <a:r>
+              <a:rPr lang="en-US" sz="1400"/>
+              <a:t>                    case FB_BLANK_POWERDOWN:</a:t>
+            </a:r>
+            <a:endParaRPr lang="en-US" sz="1400"/>
+          </a:p>
+          <a:p>
+            <a:r>
+              <a:rPr lang="en-US" sz="1400"/>
+              <a:t>                            mdss_fb_blank_blank(mfd, req_power_state);  // </a:t>
+            </a:r>
+            <a:r>
+              <a:rPr lang="en-US" sz="1400">
+                <a:solidFill>
+                  <a:srgbClr val="FF0000"/>
+                </a:solidFill>
+              </a:rPr>
+              <a:t>light off</a:t>
+            </a:r>
+            <a:endParaRPr lang="en-US" sz="1400">
+              <a:solidFill>
+                <a:srgbClr val="FF0000"/>
+              </a:solidFill>
+            </a:endParaRPr>
+          </a:p>
+          <a:p>
+            <a:r>
+              <a:rPr lang="en-US" sz="1400"/>
+              <a:t>                                                     break;    </a:t>
+            </a:r>
+            <a:endParaRPr lang="en-US" sz="1400"/>
+          </a:p>
+          <a:p>
+            <a:endParaRPr lang="en-US" sz="1400"/>
+          </a:p>
+        </p:txBody>
+      </p:sp>
+      <p:cxnSp>
+        <p:nvCxnSpPr>
+          <p:cNvPr id="19" name="Straight Arrow Connector 18"/>
+          <p:cNvCxnSpPr/>
+          <p:nvPr/>
+        </p:nvCxnSpPr>
+        <p:spPr>
+          <a:xfrm flipH="1">
+            <a:off x="1589405" y="2322195"/>
+            <a:ext cx="3646805" cy="487680"/>
+          </a:xfrm>
+          <a:prstGeom prst="straightConnector1">
+            <a:avLst/>
+          </a:prstGeom>
+          <a:gradFill rotWithShape="0">
+            <a:gsLst>
+              <a:gs pos="0">
+                <a:schemeClr val="accent1"/>
+              </a:gs>
+              <a:gs pos="100000">
+                <a:schemeClr val="accent2"/>
+              </a:gs>
+            </a:gsLst>
+            <a:lin ang="5400000" scaled="1"/>
+          </a:gradFill>
+          <a:ln w="9525" cap="flat" cmpd="sng" algn="ctr">
+            <a:solidFill>
+              <a:schemeClr val="accent1"/>
+            </a:solidFill>
+            <a:prstDash val="solid"/>
+            <a:round/>
+            <a:headEnd type="none" w="med" len="med"/>
+            <a:tailEnd type="arrow" w="med" len="med"/>
+          </a:ln>
+        </p:spPr>
+      </p:cxnSp>
+      <p:cxnSp>
+        <p:nvCxnSpPr>
+          <p:cNvPr id="20" name="Straight Arrow Connector 19"/>
+          <p:cNvCxnSpPr/>
+          <p:nvPr/>
+        </p:nvCxnSpPr>
+        <p:spPr>
+          <a:xfrm>
+            <a:off x="2320925" y="4124325"/>
+            <a:ext cx="10795" cy="582930"/>
+          </a:xfrm>
+          <a:prstGeom prst="straightConnector1">
+            <a:avLst/>
+          </a:prstGeom>
+          <a:gradFill rotWithShape="0">
+            <a:gsLst>
+              <a:gs pos="0">
+                <a:schemeClr val="accent1"/>
+              </a:gs>
+              <a:gs pos="100000">
+                <a:schemeClr val="accent2"/>
+              </a:gs>
+            </a:gsLst>
+            <a:lin ang="5400000" scaled="1"/>
+          </a:gradFill>
+          <a:ln w="9525" cap="flat" cmpd="sng" algn="ctr">
+            <a:solidFill>
+              <a:schemeClr val="accent1"/>
+            </a:solidFill>
+            <a:prstDash val="solid"/>
+            <a:round/>
+            <a:headEnd type="none" w="med" len="med"/>
+            <a:tailEnd type="arrow" w="med" len="med"/>
+          </a:ln>
+        </p:spPr>
+      </p:cxnSp>
+      <p:cxnSp>
+        <p:nvCxnSpPr>
+          <p:cNvPr id="21" name="Straight Arrow Connector 20"/>
+          <p:cNvCxnSpPr/>
+          <p:nvPr/>
+        </p:nvCxnSpPr>
+        <p:spPr>
+          <a:xfrm flipV="1">
+            <a:off x="3201035" y="3742690"/>
+            <a:ext cx="1854835" cy="1442085"/>
+          </a:xfrm>
+          <a:prstGeom prst="straightConnector1">
+            <a:avLst/>
+          </a:prstGeom>
+          <a:gradFill rotWithShape="0">
+            <a:gsLst>
+              <a:gs pos="0">
+                <a:schemeClr val="accent1"/>
+              </a:gs>
+              <a:gs pos="100000">
+                <a:schemeClr val="accent2"/>
+              </a:gs>
+            </a:gsLst>
+            <a:lin ang="5400000" scaled="1"/>
+          </a:gradFill>
+          <a:ln w="9525" cap="flat" cmpd="sng" algn="ctr">
+            <a:solidFill>
+              <a:schemeClr val="accent1"/>
+            </a:solidFill>
+            <a:prstDash val="solid"/>
+            <a:round/>
+            <a:headEnd type="none" w="med" len="med"/>
+            <a:tailEnd type="arrow" w="med" len="med"/>
+          </a:ln>
+        </p:spPr>
+      </p:cxnSp>
+      <p:cxnSp>
+        <p:nvCxnSpPr>
+          <p:cNvPr id="22" name="Straight Arrow Connector 21"/>
+          <p:cNvCxnSpPr/>
+          <p:nvPr/>
+        </p:nvCxnSpPr>
+        <p:spPr>
+          <a:xfrm>
+            <a:off x="5374005" y="3731895"/>
+            <a:ext cx="275590" cy="95885"/>
+          </a:xfrm>
+          <a:prstGeom prst="straightConnector1">
+            <a:avLst/>
+          </a:prstGeom>
+          <a:gradFill rotWithShape="0">
+            <a:gsLst>
+              <a:gs pos="0">
+                <a:schemeClr val="accent1"/>
+              </a:gs>
+              <a:gs pos="100000">
+                <a:schemeClr val="accent2"/>
+              </a:gs>
+            </a:gsLst>
+            <a:lin ang="5400000" scaled="1"/>
+          </a:gradFill>
+          <a:ln w="9525" cap="flat" cmpd="sng" algn="ctr">
+            <a:solidFill>
+              <a:schemeClr val="accent1"/>
+            </a:solidFill>
+            <a:prstDash val="solid"/>
+            <a:round/>
+            <a:headEnd type="none" w="med" len="med"/>
+            <a:tailEnd type="arrow" w="med" len="med"/>
+          </a:ln>
+        </p:spPr>
+      </p:cxnSp>
     </p:spTree>
   </p:cSld>
   <p:clrMapOvr>
@@ -5781,24 +6677,6 @@
           </a:prstGeom>
         </p:spPr>
       </p:pic>
-    </p:spTree>
-  </p:cSld>
-  <p:clrMapOvr>
-    <a:masterClrMapping/>
-  </p:clrMapOvr>
-</p:sld>
-</file>
-
-<file path=ppt/slides/slide2.xml><?xml version="1.0" encoding="utf-8"?>
-<p:sld xmlns:a="http://schemas.openxmlformats.org/drawingml/2006/main" xmlns:r="http://schemas.openxmlformats.org/officeDocument/2006/relationships" xmlns:p="http://schemas.openxmlformats.org/presentationml/2006/main">
-  <p:cSld>
-    <p:spTree>
-      <p:nvGrpSpPr>
-        <p:cNvPr id="1" name=""/>
-        <p:cNvGrpSpPr/>
-        <p:nvPr/>
-      </p:nvGrpSpPr>
-      <p:grpSpPr/>
       <p:sp>
         <p:nvSpPr>
           <p:cNvPr id="2" name="Text Box 1"/>
@@ -5807,8 +6685,8 @@
         </p:nvSpPr>
         <p:spPr>
           <a:xfrm>
-            <a:off x="93980" y="1139190"/>
-            <a:ext cx="4655820" cy="368300"/>
+            <a:off x="-19050" y="908050"/>
+            <a:ext cx="5572125" cy="737235"/>
           </a:xfrm>
           <a:prstGeom prst="rect">
             <a:avLst/>
@@ -5816,52 +6694,38 @@
           <a:noFill/>
         </p:spPr>
         <p:txBody>
-          <a:bodyPr wrap="square" rtlCol="0">
+          <a:bodyPr wrap="square" rtlCol="0" anchor="t">
             <a:spAutoFit/>
           </a:bodyPr>
           <a:p>
-            <a:r>
-              <a:rPr lang="en-US" altLang="en-US"/>
-              <a:t>2.对应的dts文件</a:t>
-            </a:r>
-            <a:endParaRPr lang="en-US" altLang="en-US"/>
-          </a:p>
-        </p:txBody>
-      </p:sp>
-      <p:pic>
-        <p:nvPicPr>
-          <p:cNvPr id="3" name="Picture 2"/>
-          <p:cNvPicPr>
-            <a:picLocks noChangeAspect="1"/>
-          </p:cNvPicPr>
-          <p:nvPr/>
-        </p:nvPicPr>
-        <p:blipFill>
-          <a:blip r:embed="rId1"/>
-          <a:stretch>
-            <a:fillRect/>
-          </a:stretch>
-        </p:blipFill>
-        <p:spPr>
-          <a:xfrm>
-            <a:off x="222885" y="1507490"/>
-            <a:ext cx="6369685" cy="5030470"/>
-          </a:xfrm>
-          <a:prstGeom prst="rect">
-            <a:avLst/>
-          </a:prstGeom>
-        </p:spPr>
-      </p:pic>
-      <p:sp>
-        <p:nvSpPr>
-          <p:cNvPr id="9" name="Text Box 8"/>
+            <a:endParaRPr lang="en-US" sz="1400"/>
+          </a:p>
+          <a:p>
+            <a:r>
+              <a:rPr lang="en-US" sz="1400"/>
+              <a:t>// 注册 backlight  sys节点及set函数实现</a:t>
+            </a:r>
+            <a:endParaRPr lang="en-US" sz="1400"/>
+          </a:p>
+          <a:p>
+            <a:r>
+              <a:rPr lang="en-US" sz="1400"/>
+              <a:t>          led_classdev_register(&amp;pdev-&gt;dev, &amp;backlight_led)  </a:t>
+            </a:r>
+            <a:endParaRPr lang="en-US" sz="1400"/>
+          </a:p>
+        </p:txBody>
+      </p:sp>
+      <p:sp>
+        <p:nvSpPr>
+          <p:cNvPr id="3" name="Text Box 2"/>
           <p:cNvSpPr txBox="1"/>
           <p:nvPr/>
         </p:nvSpPr>
         <p:spPr>
           <a:xfrm>
-            <a:off x="8366760" y="1590675"/>
-            <a:ext cx="2175510" cy="368300"/>
+            <a:off x="245745" y="2297430"/>
+            <a:ext cx="7480300" cy="1599565"/>
           </a:xfrm>
           <a:prstGeom prst="rect">
             <a:avLst/>
@@ -5869,88 +6733,70 @@
           <a:noFill/>
         </p:spPr>
         <p:txBody>
-          <a:bodyPr wrap="square" rtlCol="0">
+          <a:bodyPr wrap="square" rtlCol="0" anchor="t">
             <a:spAutoFit/>
           </a:bodyPr>
           <a:p>
             <a:r>
-              <a:rPr lang="en-US" altLang="en-US"/>
-              <a:t>中断引脚</a:t>
-            </a:r>
-            <a:endParaRPr lang="en-US" altLang="en-US"/>
-          </a:p>
-        </p:txBody>
-      </p:sp>
-      <p:sp>
-        <p:nvSpPr>
-          <p:cNvPr id="10" name="Text Box 9"/>
-          <p:cNvSpPr txBox="1"/>
-          <p:nvPr/>
-        </p:nvSpPr>
-        <p:spPr>
-          <a:xfrm>
-            <a:off x="8439785" y="2438400"/>
-            <a:ext cx="2028825" cy="368300"/>
-          </a:xfrm>
-          <a:prstGeom prst="rect">
-            <a:avLst/>
-          </a:prstGeom>
-          <a:noFill/>
-        </p:spPr>
-        <p:txBody>
-          <a:bodyPr wrap="square" rtlCol="0">
-            <a:spAutoFit/>
-          </a:bodyPr>
-          <a:p>
-            <a:r>
-              <a:rPr lang="en-US" altLang="en-US"/>
-              <a:t>复位引脚</a:t>
-            </a:r>
-            <a:endParaRPr lang="en-US" altLang="en-US"/>
-          </a:p>
-        </p:txBody>
-      </p:sp>
-      <p:sp>
-        <p:nvSpPr>
-          <p:cNvPr id="11" name="Text Box 10"/>
-          <p:cNvSpPr txBox="1"/>
-          <p:nvPr/>
-        </p:nvSpPr>
-        <p:spPr>
-          <a:xfrm>
-            <a:off x="8549005" y="3072130"/>
-            <a:ext cx="1145540" cy="368300"/>
-          </a:xfrm>
-          <a:prstGeom prst="rect">
-            <a:avLst/>
-          </a:prstGeom>
-          <a:noFill/>
-        </p:spPr>
-        <p:txBody>
-          <a:bodyPr wrap="square" rtlCol="0">
-            <a:spAutoFit/>
-          </a:bodyPr>
-          <a:p>
-            <a:r>
-              <a:rPr lang="en-US" altLang="en-US"/>
-              <a:t>通信引脚</a:t>
-            </a:r>
-            <a:endParaRPr lang="en-US" altLang="en-US"/>
+              <a:rPr lang="en-US" sz="1400"/>
+              <a:t>static struct led_classdev backlight_led = {</a:t>
+            </a:r>
+            <a:endParaRPr lang="en-US" sz="1400"/>
+          </a:p>
+          <a:p>
+            <a:r>
+              <a:rPr lang="en-US" sz="1400"/>
+              <a:t>        .name           = "lcd-backlight",</a:t>
+            </a:r>
+            <a:endParaRPr lang="en-US" sz="1400"/>
+          </a:p>
+          <a:p>
+            <a:r>
+              <a:rPr lang="en-US" sz="1400"/>
+              <a:t>        .brightness     = MDSS_MAX_BL_BRIGHTNESS / 2,</a:t>
+            </a:r>
+            <a:endParaRPr lang="en-US" sz="1400"/>
+          </a:p>
+          <a:p>
+            <a:r>
+              <a:rPr lang="en-US" sz="1400"/>
+              <a:t>        .brightness_set = mdss_fb_set_bl_brightness,</a:t>
+            </a:r>
+            <a:endParaRPr lang="en-US" sz="1400"/>
+          </a:p>
+          <a:p>
+            <a:r>
+              <a:rPr lang="en-US" sz="1400"/>
+              <a:t>        .brightness_get = mdss_fb_get_bl_brightness,</a:t>
+            </a:r>
+            <a:endParaRPr lang="en-US" sz="1400"/>
+          </a:p>
+          <a:p>
+            <a:r>
+              <a:rPr lang="en-US" sz="1400"/>
+              <a:t>        .max_brightness = MDSS_MAX_BL_BRIGHTNESS,</a:t>
+            </a:r>
+            <a:endParaRPr lang="en-US" sz="1400"/>
+          </a:p>
+          <a:p>
+            <a:r>
+              <a:rPr lang="en-US" sz="1400"/>
+              <a:t>};</a:t>
+            </a:r>
+            <a:endParaRPr lang="en-US" sz="1400"/>
           </a:p>
         </p:txBody>
       </p:sp>
       <p:cxnSp>
         <p:nvCxnSpPr>
           <p:cNvPr id="4" name="Straight Arrow Connector 3"/>
-          <p:cNvCxnSpPr>
-            <a:endCxn id="9" idx="1"/>
-          </p:cNvCxnSpPr>
+          <p:cNvCxnSpPr/>
           <p:nvPr/>
         </p:nvCxnSpPr>
         <p:spPr>
-          <a:xfrm flipV="1">
-            <a:off x="3423285" y="1774825"/>
-            <a:ext cx="4943475" cy="2058035"/>
+          <a:xfrm flipH="1">
+            <a:off x="3340735" y="1548130"/>
+            <a:ext cx="1017905" cy="752475"/>
           </a:xfrm>
           <a:prstGeom prst="straightConnector1">
             <a:avLst/>
@@ -5977,16 +6823,212 @@
           </a:ln>
         </p:spPr>
       </p:cxnSp>
+      <p:sp>
+        <p:nvSpPr>
+          <p:cNvPr id="5" name="Text Box 4"/>
+          <p:cNvSpPr txBox="1"/>
+          <p:nvPr/>
+        </p:nvSpPr>
+        <p:spPr>
+          <a:xfrm>
+            <a:off x="4974590" y="2913380"/>
+            <a:ext cx="2540000" cy="306705"/>
+          </a:xfrm>
+          <a:prstGeom prst="rect">
+            <a:avLst/>
+          </a:prstGeom>
+          <a:noFill/>
+        </p:spPr>
+        <p:txBody>
+          <a:bodyPr wrap="square" rtlCol="0" anchor="t">
+            <a:spAutoFit/>
+          </a:bodyPr>
+          <a:p>
+            <a:r>
+              <a:rPr lang="en-US" sz="1400"/>
+              <a:t>// 背光set函数</a:t>
+            </a:r>
+            <a:endParaRPr lang="en-US" sz="1400"/>
+          </a:p>
+        </p:txBody>
+      </p:sp>
+    </p:spTree>
+  </p:cSld>
+  <p:clrMapOvr>
+    <a:masterClrMapping/>
+  </p:clrMapOvr>
+</p:sld>
+</file>
+
+<file path=ppt/slides/slide19.xml><?xml version="1.0" encoding="utf-8"?>
+<p:sld xmlns:a="http://schemas.openxmlformats.org/drawingml/2006/main" xmlns:r="http://schemas.openxmlformats.org/officeDocument/2006/relationships" xmlns:p="http://schemas.openxmlformats.org/presentationml/2006/main">
+  <p:cSld>
+    <p:spTree>
+      <p:nvGrpSpPr>
+        <p:cNvPr id="1" name=""/>
+        <p:cNvGrpSpPr/>
+        <p:nvPr/>
+      </p:nvGrpSpPr>
+      <p:grpSpPr/>
+      <p:pic>
+        <p:nvPicPr>
+          <p:cNvPr id="15" name="Picture 14"/>
+          <p:cNvPicPr>
+            <a:picLocks noChangeAspect="1"/>
+          </p:cNvPicPr>
+          <p:nvPr/>
+        </p:nvPicPr>
+        <p:blipFill>
+          <a:blip r:embed="rId1"/>
+          <a:stretch>
+            <a:fillRect/>
+          </a:stretch>
+        </p:blipFill>
+        <p:spPr>
+          <a:xfrm>
+            <a:off x="7641590" y="5982970"/>
+            <a:ext cx="4570095" cy="838835"/>
+          </a:xfrm>
+          <a:prstGeom prst="rect">
+            <a:avLst/>
+          </a:prstGeom>
+        </p:spPr>
+      </p:pic>
+      <p:sp>
+        <p:nvSpPr>
+          <p:cNvPr id="2" name="Text Box 1"/>
+          <p:cNvSpPr txBox="1"/>
+          <p:nvPr/>
+        </p:nvSpPr>
+        <p:spPr>
+          <a:xfrm>
+            <a:off x="77470" y="1007110"/>
+            <a:ext cx="5560695" cy="368300"/>
+          </a:xfrm>
+          <a:prstGeom prst="rect">
+            <a:avLst/>
+          </a:prstGeom>
+          <a:noFill/>
+        </p:spPr>
+        <p:txBody>
+          <a:bodyPr wrap="square" rtlCol="0" anchor="t">
+            <a:spAutoFit/>
+          </a:bodyPr>
+          <a:p>
+            <a:r>
+              <a:rPr lang="en-US"/>
+              <a:t>1.mdss_fb_blank_blank &amp; unblank</a:t>
+            </a:r>
+            <a:endParaRPr lang="en-US"/>
+          </a:p>
+        </p:txBody>
+      </p:sp>
+      <p:sp>
+        <p:nvSpPr>
+          <p:cNvPr id="3" name="Text Box 2"/>
+          <p:cNvSpPr txBox="1"/>
+          <p:nvPr/>
+        </p:nvSpPr>
+        <p:spPr>
+          <a:xfrm>
+            <a:off x="214630" y="1884680"/>
+            <a:ext cx="7193915" cy="3107690"/>
+          </a:xfrm>
+          <a:prstGeom prst="rect">
+            <a:avLst/>
+          </a:prstGeom>
+          <a:noFill/>
+        </p:spPr>
+        <p:txBody>
+          <a:bodyPr wrap="square" rtlCol="0" anchor="t">
+            <a:spAutoFit/>
+          </a:bodyPr>
+          <a:p>
+            <a:r>
+              <a:rPr lang="en-US" sz="1400"/>
+              <a:t>// (drivers\video\msm\mdss\mdss_fb.c)</a:t>
+            </a:r>
+            <a:endParaRPr lang="en-US" sz="1400"/>
+          </a:p>
+          <a:p>
+            <a:endParaRPr lang="en-US" sz="1400"/>
+          </a:p>
+          <a:p>
+            <a:endParaRPr lang="en-US" sz="1400"/>
+          </a:p>
+          <a:p>
+            <a:r>
+              <a:rPr lang="en-US" sz="1400"/>
+              <a:t>/* 亮灭lcm代码追踪 */</a:t>
+            </a:r>
+            <a:endParaRPr lang="en-US" sz="1400"/>
+          </a:p>
+          <a:p>
+            <a:r>
+              <a:rPr lang="en-US" sz="1400"/>
+              <a:t>mdss_fb_blank_blank</a:t>
+            </a:r>
+            <a:endParaRPr lang="en-US" sz="1400"/>
+          </a:p>
+          <a:p>
+            <a:r>
+              <a:rPr lang="en-US" sz="1400"/>
+              <a:t>        mdss_fb_set_backlight    // &lt;1&gt; 背光</a:t>
+            </a:r>
+            <a:endParaRPr lang="en-US" sz="1400"/>
+          </a:p>
+          <a:p>
+            <a:r>
+              <a:rPr lang="en-US" sz="1400"/>
+              <a:t>        mfd-&gt;mdp.off_fnc(mfd);    // &lt;2&gt; 显示   </a:t>
+            </a:r>
+            <a:endParaRPr lang="en-US" sz="1400"/>
+          </a:p>
+          <a:p>
+            <a:endParaRPr lang="en-US" sz="1400"/>
+          </a:p>
+          <a:p>
+            <a:endParaRPr lang="en-US" sz="1400"/>
+          </a:p>
+          <a:p>
+            <a:endParaRPr lang="en-US" sz="1400"/>
+          </a:p>
+          <a:p>
+            <a:r>
+              <a:rPr lang="en-US" sz="1400"/>
+              <a:t>mdss_fb_blank_unblank</a:t>
+            </a:r>
+            <a:endParaRPr lang="en-US" sz="1400"/>
+          </a:p>
+          <a:p>
+            <a:r>
+              <a:rPr lang="en-US" sz="1400"/>
+              <a:t>        ret = mfd-&gt;mdp.on_fnc(mfd);</a:t>
+            </a:r>
+            <a:endParaRPr lang="en-US" sz="1400"/>
+          </a:p>
+          <a:p>
+            <a:r>
+              <a:rPr lang="en-US" sz="1400"/>
+              <a:t>        mdss_fb_set_backlight</a:t>
+            </a:r>
+            <a:endParaRPr lang="en-US" sz="1400"/>
+          </a:p>
+          <a:p>
+            <a:endParaRPr lang="en-US" sz="1400"/>
+          </a:p>
+        </p:txBody>
+      </p:sp>
       <p:cxnSp>
         <p:nvCxnSpPr>
-          <p:cNvPr id="5" name="Straight Arrow Connector 4"/>
+          <p:cNvPr id="4" name="Straight Arrow Connector 3"/>
           <p:cNvCxnSpPr/>
           <p:nvPr/>
         </p:nvCxnSpPr>
         <p:spPr>
-          <a:xfrm flipV="1">
-            <a:off x="3384550" y="2807970"/>
-            <a:ext cx="5087620" cy="1170305"/>
+          <a:xfrm>
+            <a:off x="476250" y="2915920"/>
+            <a:ext cx="254635" cy="190500"/>
           </a:xfrm>
           <a:prstGeom prst="straightConnector1">
             <a:avLst/>
@@ -6015,16 +7057,14 @@
       </p:cxnSp>
       <p:cxnSp>
         <p:nvCxnSpPr>
-          <p:cNvPr id="6" name="Straight Arrow Connector 5"/>
-          <p:cNvCxnSpPr>
-            <a:endCxn id="11" idx="1"/>
-          </p:cNvCxnSpPr>
+          <p:cNvPr id="5" name="Straight Arrow Connector 4"/>
+          <p:cNvCxnSpPr/>
           <p:nvPr/>
         </p:nvCxnSpPr>
         <p:spPr>
           <a:xfrm>
-            <a:off x="1621155" y="1617345"/>
-            <a:ext cx="6927850" cy="1638935"/>
+            <a:off x="391160" y="2979420"/>
+            <a:ext cx="328930" cy="328930"/>
           </a:xfrm>
           <a:prstGeom prst="straightConnector1">
             <a:avLst/>
@@ -6051,186 +7091,16 @@
           </a:ln>
         </p:spPr>
       </p:cxnSp>
-      <p:sp>
-        <p:nvSpPr>
-          <p:cNvPr id="7" name="Text Box 6"/>
-          <p:cNvSpPr txBox="1"/>
-          <p:nvPr/>
-        </p:nvSpPr>
-        <p:spPr>
-          <a:xfrm>
-            <a:off x="2162175" y="1235710"/>
-            <a:ext cx="7336155" cy="275590"/>
-          </a:xfrm>
-          <a:prstGeom prst="rect">
-            <a:avLst/>
-          </a:prstGeom>
-          <a:noFill/>
-        </p:spPr>
-        <p:txBody>
-          <a:bodyPr wrap="square" rtlCol="0">
-            <a:spAutoFit/>
-          </a:bodyPr>
-          <a:p>
-            <a:r>
-              <a:rPr lang="en-US" sz="1200"/>
-              <a:t>LA.UM.7.2.r1/kernel/msm-4.4/arch/arm64/boot/dts/qcom</a:t>
-            </a:r>
-            <a:r>
-              <a:rPr lang="en-US" altLang="en-US" sz="1200"/>
-              <a:t>/sdm660-mtp.dtsi</a:t>
-            </a:r>
-            <a:endParaRPr lang="en-US" altLang="en-US" sz="1200"/>
-          </a:p>
-        </p:txBody>
-      </p:sp>
-      <p:sp>
-        <p:nvSpPr>
-          <p:cNvPr id="8" name="Text Box 7"/>
-          <p:cNvSpPr txBox="1"/>
-          <p:nvPr/>
-        </p:nvSpPr>
-        <p:spPr>
-          <a:xfrm>
-            <a:off x="8804275" y="3609975"/>
-            <a:ext cx="1664335" cy="368300"/>
-          </a:xfrm>
-          <a:prstGeom prst="rect">
-            <a:avLst/>
-          </a:prstGeom>
-          <a:noFill/>
-        </p:spPr>
-        <p:txBody>
-          <a:bodyPr wrap="square" rtlCol="0">
-            <a:spAutoFit/>
-          </a:bodyPr>
-          <a:p>
-            <a:r>
-              <a:rPr lang="en-US" altLang="en-US"/>
-              <a:t>cy,core</a:t>
-            </a:r>
-            <a:endParaRPr lang="en-US" altLang="en-US"/>
-          </a:p>
-        </p:txBody>
-      </p:sp>
-      <p:sp>
-        <p:nvSpPr>
-          <p:cNvPr id="12" name="Text Box 11"/>
-          <p:cNvSpPr txBox="1"/>
-          <p:nvPr/>
-        </p:nvSpPr>
-        <p:spPr>
-          <a:xfrm>
-            <a:off x="6805930" y="5067300"/>
-            <a:ext cx="1560830" cy="645160"/>
-          </a:xfrm>
-          <a:prstGeom prst="rect">
-            <a:avLst/>
-          </a:prstGeom>
-          <a:noFill/>
-        </p:spPr>
-        <p:txBody>
-          <a:bodyPr wrap="square" rtlCol="0">
-            <a:spAutoFit/>
-          </a:bodyPr>
-          <a:p>
-            <a:r>
-              <a:rPr lang="en-US" altLang="en-US"/>
-              <a:t>cy,mt</a:t>
-            </a:r>
-            <a:endParaRPr lang="en-US" altLang="en-US"/>
-          </a:p>
-          <a:p>
-            <a:r>
-              <a:rPr lang="en-US" altLang="en-US"/>
-              <a:t>多点触摸节点</a:t>
-            </a:r>
-            <a:endParaRPr lang="en-US" altLang="en-US"/>
-          </a:p>
-        </p:txBody>
-      </p:sp>
-      <p:sp>
-        <p:nvSpPr>
-          <p:cNvPr id="13" name="Text Box 12"/>
-          <p:cNvSpPr txBox="1"/>
-          <p:nvPr/>
-        </p:nvSpPr>
-        <p:spPr>
-          <a:xfrm>
-            <a:off x="8549005" y="5198745"/>
-            <a:ext cx="985520" cy="922020"/>
-          </a:xfrm>
-          <a:prstGeom prst="rect">
-            <a:avLst/>
-          </a:prstGeom>
-          <a:noFill/>
-        </p:spPr>
-        <p:txBody>
-          <a:bodyPr wrap="square" rtlCol="0">
-            <a:spAutoFit/>
-          </a:bodyPr>
-          <a:p>
-            <a:r>
-              <a:rPr lang="en-US" altLang="en-US"/>
-              <a:t>cy,btn</a:t>
-            </a:r>
-            <a:endParaRPr lang="en-US" altLang="en-US"/>
-          </a:p>
-          <a:p>
-            <a:r>
-              <a:rPr lang="en-US" altLang="en-US"/>
-              <a:t>按键节点</a:t>
-            </a:r>
-            <a:endParaRPr lang="en-US" altLang="en-US"/>
-          </a:p>
-        </p:txBody>
-      </p:sp>
-      <p:sp>
-        <p:nvSpPr>
-          <p:cNvPr id="14" name="Text Box 13"/>
-          <p:cNvSpPr txBox="1"/>
-          <p:nvPr/>
-        </p:nvSpPr>
-        <p:spPr>
-          <a:xfrm>
-            <a:off x="10032365" y="5198745"/>
-            <a:ext cx="1780540" cy="645160"/>
-          </a:xfrm>
-          <a:prstGeom prst="rect">
-            <a:avLst/>
-          </a:prstGeom>
-          <a:noFill/>
-        </p:spPr>
-        <p:txBody>
-          <a:bodyPr wrap="square" rtlCol="0">
-            <a:spAutoFit/>
-          </a:bodyPr>
-          <a:p>
-            <a:r>
-              <a:rPr lang="en-US" altLang="en-US"/>
-              <a:t>cy,proximity</a:t>
-            </a:r>
-            <a:endParaRPr lang="en-US" altLang="en-US"/>
-          </a:p>
-          <a:p>
-            <a:r>
-              <a:rPr lang="en-US" altLang="en-US"/>
-              <a:t>接近物体节点 </a:t>
-            </a:r>
-            <a:endParaRPr lang="en-US" altLang="en-US"/>
-          </a:p>
-        </p:txBody>
-      </p:sp>
       <p:cxnSp>
         <p:nvCxnSpPr>
-          <p:cNvPr id="15" name="Straight Arrow Connector 14"/>
+          <p:cNvPr id="6" name="Straight Arrow Connector 5"/>
           <p:cNvCxnSpPr/>
           <p:nvPr/>
         </p:nvCxnSpPr>
         <p:spPr>
-          <a:xfrm flipH="1">
-            <a:off x="7886700" y="4102100"/>
-            <a:ext cx="1144905" cy="965200"/>
+          <a:xfrm>
+            <a:off x="444500" y="4230370"/>
+            <a:ext cx="370840" cy="127000"/>
           </a:xfrm>
           <a:prstGeom prst="straightConnector1">
             <a:avLst/>
@@ -6259,14 +7129,14 @@
       </p:cxnSp>
       <p:cxnSp>
         <p:nvCxnSpPr>
-          <p:cNvPr id="16" name="Straight Arrow Connector 15"/>
+          <p:cNvPr id="7" name="Straight Arrow Connector 6"/>
           <p:cNvCxnSpPr/>
           <p:nvPr/>
         </p:nvCxnSpPr>
         <p:spPr>
-          <a:xfrm flipH="1">
-            <a:off x="9031605" y="4102735"/>
-            <a:ext cx="180340" cy="964565"/>
+          <a:xfrm>
+            <a:off x="359410" y="4293870"/>
+            <a:ext cx="434975" cy="275590"/>
           </a:xfrm>
           <a:prstGeom prst="straightConnector1">
             <a:avLst/>
@@ -6293,16 +7163,176 @@
           </a:ln>
         </p:spPr>
       </p:cxnSp>
+    </p:spTree>
+  </p:cSld>
+  <p:clrMapOvr>
+    <a:masterClrMapping/>
+  </p:clrMapOvr>
+</p:sld>
+</file>
+
+<file path=ppt/slides/slide2.xml><?xml version="1.0" encoding="utf-8"?>
+<p:sld xmlns:a="http://schemas.openxmlformats.org/drawingml/2006/main" xmlns:r="http://schemas.openxmlformats.org/officeDocument/2006/relationships" xmlns:p="http://schemas.openxmlformats.org/presentationml/2006/main">
+  <p:cSld>
+    <p:spTree>
+      <p:nvGrpSpPr>
+        <p:cNvPr id="1" name=""/>
+        <p:cNvGrpSpPr/>
+        <p:nvPr/>
+      </p:nvGrpSpPr>
+      <p:grpSpPr/>
+      <p:sp>
+        <p:nvSpPr>
+          <p:cNvPr id="2" name="Text Box 1"/>
+          <p:cNvSpPr txBox="1"/>
+          <p:nvPr/>
+        </p:nvSpPr>
+        <p:spPr>
+          <a:xfrm>
+            <a:off x="93980" y="1139190"/>
+            <a:ext cx="4655820" cy="368300"/>
+          </a:xfrm>
+          <a:prstGeom prst="rect">
+            <a:avLst/>
+          </a:prstGeom>
+          <a:noFill/>
+        </p:spPr>
+        <p:txBody>
+          <a:bodyPr wrap="square" rtlCol="0">
+            <a:spAutoFit/>
+          </a:bodyPr>
+          <a:p>
+            <a:r>
+              <a:rPr lang="en-US" altLang="en-US"/>
+              <a:t>2.对应的dts文件</a:t>
+            </a:r>
+            <a:endParaRPr lang="en-US" altLang="en-US"/>
+          </a:p>
+        </p:txBody>
+      </p:sp>
+      <p:pic>
+        <p:nvPicPr>
+          <p:cNvPr id="3" name="Picture 2"/>
+          <p:cNvPicPr>
+            <a:picLocks noChangeAspect="1"/>
+          </p:cNvPicPr>
+          <p:nvPr/>
+        </p:nvPicPr>
+        <p:blipFill>
+          <a:blip r:embed="rId1"/>
+          <a:stretch>
+            <a:fillRect/>
+          </a:stretch>
+        </p:blipFill>
+        <p:spPr>
+          <a:xfrm>
+            <a:off x="222885" y="1507490"/>
+            <a:ext cx="6369685" cy="5030470"/>
+          </a:xfrm>
+          <a:prstGeom prst="rect">
+            <a:avLst/>
+          </a:prstGeom>
+        </p:spPr>
+      </p:pic>
+      <p:sp>
+        <p:nvSpPr>
+          <p:cNvPr id="9" name="Text Box 8"/>
+          <p:cNvSpPr txBox="1"/>
+          <p:nvPr/>
+        </p:nvSpPr>
+        <p:spPr>
+          <a:xfrm>
+            <a:off x="8366760" y="1590675"/>
+            <a:ext cx="2175510" cy="368300"/>
+          </a:xfrm>
+          <a:prstGeom prst="rect">
+            <a:avLst/>
+          </a:prstGeom>
+          <a:noFill/>
+        </p:spPr>
+        <p:txBody>
+          <a:bodyPr wrap="square" rtlCol="0">
+            <a:spAutoFit/>
+          </a:bodyPr>
+          <a:p>
+            <a:r>
+              <a:rPr lang="en-US" altLang="en-US"/>
+              <a:t>中断引脚</a:t>
+            </a:r>
+            <a:endParaRPr lang="en-US" altLang="en-US"/>
+          </a:p>
+        </p:txBody>
+      </p:sp>
+      <p:sp>
+        <p:nvSpPr>
+          <p:cNvPr id="10" name="Text Box 9"/>
+          <p:cNvSpPr txBox="1"/>
+          <p:nvPr/>
+        </p:nvSpPr>
+        <p:spPr>
+          <a:xfrm>
+            <a:off x="8439785" y="2438400"/>
+            <a:ext cx="2028825" cy="368300"/>
+          </a:xfrm>
+          <a:prstGeom prst="rect">
+            <a:avLst/>
+          </a:prstGeom>
+          <a:noFill/>
+        </p:spPr>
+        <p:txBody>
+          <a:bodyPr wrap="square" rtlCol="0">
+            <a:spAutoFit/>
+          </a:bodyPr>
+          <a:p>
+            <a:r>
+              <a:rPr lang="en-US" altLang="en-US"/>
+              <a:t>复位引脚</a:t>
+            </a:r>
+            <a:endParaRPr lang="en-US" altLang="en-US"/>
+          </a:p>
+        </p:txBody>
+      </p:sp>
+      <p:sp>
+        <p:nvSpPr>
+          <p:cNvPr id="11" name="Text Box 10"/>
+          <p:cNvSpPr txBox="1"/>
+          <p:nvPr/>
+        </p:nvSpPr>
+        <p:spPr>
+          <a:xfrm>
+            <a:off x="8549005" y="3072130"/>
+            <a:ext cx="1145540" cy="368300"/>
+          </a:xfrm>
+          <a:prstGeom prst="rect">
+            <a:avLst/>
+          </a:prstGeom>
+          <a:noFill/>
+        </p:spPr>
+        <p:txBody>
+          <a:bodyPr wrap="square" rtlCol="0">
+            <a:spAutoFit/>
+          </a:bodyPr>
+          <a:p>
+            <a:r>
+              <a:rPr lang="en-US" altLang="en-US"/>
+              <a:t>通信引脚</a:t>
+            </a:r>
+            <a:endParaRPr lang="en-US" altLang="en-US"/>
+          </a:p>
+        </p:txBody>
+      </p:sp>
       <p:cxnSp>
         <p:nvCxnSpPr>
-          <p:cNvPr id="17" name="Straight Arrow Connector 16"/>
-          <p:cNvCxnSpPr/>
+          <p:cNvPr id="4" name="Straight Arrow Connector 3"/>
+          <p:cNvCxnSpPr>
+            <a:endCxn id="9" idx="1"/>
+          </p:cNvCxnSpPr>
           <p:nvPr/>
         </p:nvCxnSpPr>
         <p:spPr>
-          <a:xfrm>
-            <a:off x="9425305" y="4233545"/>
-            <a:ext cx="1250950" cy="965200"/>
+          <a:xfrm flipV="1">
+            <a:off x="3423285" y="1774825"/>
+            <a:ext cx="4943475" cy="2058035"/>
           </a:xfrm>
           <a:prstGeom prst="straightConnector1">
             <a:avLst/>
@@ -6329,6 +7359,358 @@
           </a:ln>
         </p:spPr>
       </p:cxnSp>
+      <p:cxnSp>
+        <p:nvCxnSpPr>
+          <p:cNvPr id="5" name="Straight Arrow Connector 4"/>
+          <p:cNvCxnSpPr/>
+          <p:nvPr/>
+        </p:nvCxnSpPr>
+        <p:spPr>
+          <a:xfrm flipV="1">
+            <a:off x="3384550" y="2807970"/>
+            <a:ext cx="5087620" cy="1170305"/>
+          </a:xfrm>
+          <a:prstGeom prst="straightConnector1">
+            <a:avLst/>
+          </a:prstGeom>
+          <a:gradFill rotWithShape="0">
+            <a:gsLst>
+              <a:gs pos="0">
+                <a:schemeClr val="accent1"/>
+              </a:gs>
+              <a:gs pos="100000">
+                <a:schemeClr val="accent2"/>
+              </a:gs>
+            </a:gsLst>
+            <a:lin ang="5400000" scaled="1"/>
+          </a:gradFill>
+          <a:ln w="9525" cap="flat" cmpd="sng" algn="ctr">
+            <a:solidFill>
+              <a:schemeClr val="accent1"/>
+            </a:solidFill>
+            <a:prstDash val="solid"/>
+            <a:round/>
+            <a:headEnd type="none" w="med" len="med"/>
+            <a:tailEnd type="arrow" w="med" len="med"/>
+          </a:ln>
+        </p:spPr>
+      </p:cxnSp>
+      <p:cxnSp>
+        <p:nvCxnSpPr>
+          <p:cNvPr id="6" name="Straight Arrow Connector 5"/>
+          <p:cNvCxnSpPr>
+            <a:endCxn id="11" idx="1"/>
+          </p:cNvCxnSpPr>
+          <p:nvPr/>
+        </p:nvCxnSpPr>
+        <p:spPr>
+          <a:xfrm>
+            <a:off x="1621155" y="1617345"/>
+            <a:ext cx="6927850" cy="1638935"/>
+          </a:xfrm>
+          <a:prstGeom prst="straightConnector1">
+            <a:avLst/>
+          </a:prstGeom>
+          <a:gradFill rotWithShape="0">
+            <a:gsLst>
+              <a:gs pos="0">
+                <a:schemeClr val="accent1"/>
+              </a:gs>
+              <a:gs pos="100000">
+                <a:schemeClr val="accent2"/>
+              </a:gs>
+            </a:gsLst>
+            <a:lin ang="5400000" scaled="1"/>
+          </a:gradFill>
+          <a:ln w="9525" cap="flat" cmpd="sng" algn="ctr">
+            <a:solidFill>
+              <a:schemeClr val="accent1"/>
+            </a:solidFill>
+            <a:prstDash val="solid"/>
+            <a:round/>
+            <a:headEnd type="none" w="med" len="med"/>
+            <a:tailEnd type="arrow" w="med" len="med"/>
+          </a:ln>
+        </p:spPr>
+      </p:cxnSp>
+      <p:sp>
+        <p:nvSpPr>
+          <p:cNvPr id="7" name="Text Box 6"/>
+          <p:cNvSpPr txBox="1"/>
+          <p:nvPr/>
+        </p:nvSpPr>
+        <p:spPr>
+          <a:xfrm>
+            <a:off x="2162175" y="1235710"/>
+            <a:ext cx="7336155" cy="275590"/>
+          </a:xfrm>
+          <a:prstGeom prst="rect">
+            <a:avLst/>
+          </a:prstGeom>
+          <a:noFill/>
+        </p:spPr>
+        <p:txBody>
+          <a:bodyPr wrap="square" rtlCol="0">
+            <a:spAutoFit/>
+          </a:bodyPr>
+          <a:p>
+            <a:r>
+              <a:rPr lang="en-US" sz="1200"/>
+              <a:t>LA.UM.7.2.r1/kernel/msm-4.4/arch/arm64/boot/dts/qcom</a:t>
+            </a:r>
+            <a:r>
+              <a:rPr lang="en-US" altLang="en-US" sz="1200"/>
+              <a:t>/sdm660-mtp.dtsi</a:t>
+            </a:r>
+            <a:endParaRPr lang="en-US" altLang="en-US" sz="1200"/>
+          </a:p>
+        </p:txBody>
+      </p:sp>
+      <p:sp>
+        <p:nvSpPr>
+          <p:cNvPr id="8" name="Text Box 7"/>
+          <p:cNvSpPr txBox="1"/>
+          <p:nvPr/>
+        </p:nvSpPr>
+        <p:spPr>
+          <a:xfrm>
+            <a:off x="8804275" y="3609975"/>
+            <a:ext cx="1664335" cy="368300"/>
+          </a:xfrm>
+          <a:prstGeom prst="rect">
+            <a:avLst/>
+          </a:prstGeom>
+          <a:noFill/>
+        </p:spPr>
+        <p:txBody>
+          <a:bodyPr wrap="square" rtlCol="0">
+            <a:spAutoFit/>
+          </a:bodyPr>
+          <a:p>
+            <a:r>
+              <a:rPr lang="en-US" altLang="en-US"/>
+              <a:t>cy,core</a:t>
+            </a:r>
+            <a:endParaRPr lang="en-US" altLang="en-US"/>
+          </a:p>
+        </p:txBody>
+      </p:sp>
+      <p:sp>
+        <p:nvSpPr>
+          <p:cNvPr id="12" name="Text Box 11"/>
+          <p:cNvSpPr txBox="1"/>
+          <p:nvPr/>
+        </p:nvSpPr>
+        <p:spPr>
+          <a:xfrm>
+            <a:off x="6805930" y="5067300"/>
+            <a:ext cx="1560830" cy="645160"/>
+          </a:xfrm>
+          <a:prstGeom prst="rect">
+            <a:avLst/>
+          </a:prstGeom>
+          <a:noFill/>
+        </p:spPr>
+        <p:txBody>
+          <a:bodyPr wrap="square" rtlCol="0">
+            <a:spAutoFit/>
+          </a:bodyPr>
+          <a:p>
+            <a:r>
+              <a:rPr lang="en-US" altLang="en-US"/>
+              <a:t>cy,mt</a:t>
+            </a:r>
+            <a:endParaRPr lang="en-US" altLang="en-US"/>
+          </a:p>
+          <a:p>
+            <a:r>
+              <a:rPr lang="en-US" altLang="en-US"/>
+              <a:t>多点触摸节点</a:t>
+            </a:r>
+            <a:endParaRPr lang="en-US" altLang="en-US"/>
+          </a:p>
+        </p:txBody>
+      </p:sp>
+      <p:sp>
+        <p:nvSpPr>
+          <p:cNvPr id="13" name="Text Box 12"/>
+          <p:cNvSpPr txBox="1"/>
+          <p:nvPr/>
+        </p:nvSpPr>
+        <p:spPr>
+          <a:xfrm>
+            <a:off x="8549005" y="5198745"/>
+            <a:ext cx="985520" cy="922020"/>
+          </a:xfrm>
+          <a:prstGeom prst="rect">
+            <a:avLst/>
+          </a:prstGeom>
+          <a:noFill/>
+        </p:spPr>
+        <p:txBody>
+          <a:bodyPr wrap="square" rtlCol="0">
+            <a:spAutoFit/>
+          </a:bodyPr>
+          <a:p>
+            <a:r>
+              <a:rPr lang="en-US" altLang="en-US"/>
+              <a:t>cy,btn</a:t>
+            </a:r>
+            <a:endParaRPr lang="en-US" altLang="en-US"/>
+          </a:p>
+          <a:p>
+            <a:r>
+              <a:rPr lang="en-US" altLang="en-US"/>
+              <a:t>按键节点</a:t>
+            </a:r>
+            <a:endParaRPr lang="en-US" altLang="en-US"/>
+          </a:p>
+        </p:txBody>
+      </p:sp>
+      <p:sp>
+        <p:nvSpPr>
+          <p:cNvPr id="14" name="Text Box 13"/>
+          <p:cNvSpPr txBox="1"/>
+          <p:nvPr/>
+        </p:nvSpPr>
+        <p:spPr>
+          <a:xfrm>
+            <a:off x="10032365" y="5198745"/>
+            <a:ext cx="1780540" cy="645160"/>
+          </a:xfrm>
+          <a:prstGeom prst="rect">
+            <a:avLst/>
+          </a:prstGeom>
+          <a:noFill/>
+        </p:spPr>
+        <p:txBody>
+          <a:bodyPr wrap="square" rtlCol="0">
+            <a:spAutoFit/>
+          </a:bodyPr>
+          <a:p>
+            <a:r>
+              <a:rPr lang="en-US" altLang="en-US"/>
+              <a:t>cy,proximity</a:t>
+            </a:r>
+            <a:endParaRPr lang="en-US" altLang="en-US"/>
+          </a:p>
+          <a:p>
+            <a:r>
+              <a:rPr lang="en-US" altLang="en-US"/>
+              <a:t>接近物体节点 </a:t>
+            </a:r>
+            <a:endParaRPr lang="en-US" altLang="en-US"/>
+          </a:p>
+        </p:txBody>
+      </p:sp>
+      <p:cxnSp>
+        <p:nvCxnSpPr>
+          <p:cNvPr id="15" name="Straight Arrow Connector 14"/>
+          <p:cNvCxnSpPr/>
+          <p:nvPr/>
+        </p:nvCxnSpPr>
+        <p:spPr>
+          <a:xfrm flipH="1">
+            <a:off x="7886700" y="4102100"/>
+            <a:ext cx="1144905" cy="965200"/>
+          </a:xfrm>
+          <a:prstGeom prst="straightConnector1">
+            <a:avLst/>
+          </a:prstGeom>
+          <a:gradFill rotWithShape="0">
+            <a:gsLst>
+              <a:gs pos="0">
+                <a:schemeClr val="accent1"/>
+              </a:gs>
+              <a:gs pos="100000">
+                <a:schemeClr val="accent2"/>
+              </a:gs>
+            </a:gsLst>
+            <a:lin ang="5400000" scaled="1"/>
+          </a:gradFill>
+          <a:ln w="9525" cap="flat" cmpd="sng" algn="ctr">
+            <a:solidFill>
+              <a:schemeClr val="accent1"/>
+            </a:solidFill>
+            <a:prstDash val="solid"/>
+            <a:round/>
+            <a:headEnd type="none" w="med" len="med"/>
+            <a:tailEnd type="arrow" w="med" len="med"/>
+          </a:ln>
+        </p:spPr>
+      </p:cxnSp>
+      <p:cxnSp>
+        <p:nvCxnSpPr>
+          <p:cNvPr id="16" name="Straight Arrow Connector 15"/>
+          <p:cNvCxnSpPr/>
+          <p:nvPr/>
+        </p:nvCxnSpPr>
+        <p:spPr>
+          <a:xfrm flipH="1">
+            <a:off x="9031605" y="4102735"/>
+            <a:ext cx="180340" cy="964565"/>
+          </a:xfrm>
+          <a:prstGeom prst="straightConnector1">
+            <a:avLst/>
+          </a:prstGeom>
+          <a:gradFill rotWithShape="0">
+            <a:gsLst>
+              <a:gs pos="0">
+                <a:schemeClr val="accent1"/>
+              </a:gs>
+              <a:gs pos="100000">
+                <a:schemeClr val="accent2"/>
+              </a:gs>
+            </a:gsLst>
+            <a:lin ang="5400000" scaled="1"/>
+          </a:gradFill>
+          <a:ln w="9525" cap="flat" cmpd="sng" algn="ctr">
+            <a:solidFill>
+              <a:schemeClr val="accent1"/>
+            </a:solidFill>
+            <a:prstDash val="solid"/>
+            <a:round/>
+            <a:headEnd type="none" w="med" len="med"/>
+            <a:tailEnd type="arrow" w="med" len="med"/>
+          </a:ln>
+        </p:spPr>
+      </p:cxnSp>
+      <p:cxnSp>
+        <p:nvCxnSpPr>
+          <p:cNvPr id="17" name="Straight Arrow Connector 16"/>
+          <p:cNvCxnSpPr/>
+          <p:nvPr/>
+        </p:nvCxnSpPr>
+        <p:spPr>
+          <a:xfrm>
+            <a:off x="9425305" y="4233545"/>
+            <a:ext cx="1250950" cy="965200"/>
+          </a:xfrm>
+          <a:prstGeom prst="straightConnector1">
+            <a:avLst/>
+          </a:prstGeom>
+          <a:gradFill rotWithShape="0">
+            <a:gsLst>
+              <a:gs pos="0">
+                <a:schemeClr val="accent1"/>
+              </a:gs>
+              <a:gs pos="100000">
+                <a:schemeClr val="accent2"/>
+              </a:gs>
+            </a:gsLst>
+            <a:lin ang="5400000" scaled="1"/>
+          </a:gradFill>
+          <a:ln w="9525" cap="flat" cmpd="sng" algn="ctr">
+            <a:solidFill>
+              <a:schemeClr val="accent1"/>
+            </a:solidFill>
+            <a:prstDash val="solid"/>
+            <a:round/>
+            <a:headEnd type="none" w="med" len="med"/>
+            <a:tailEnd type="arrow" w="med" len="med"/>
+          </a:ln>
+        </p:spPr>
+      </p:cxnSp>
       <p:pic>
         <p:nvPicPr>
           <p:cNvPr id="18" name="Picture 17"/>
@@ -6346,6 +7728,2044 @@
         <p:spPr>
           <a:xfrm>
             <a:off x="7667625" y="5970905"/>
+            <a:ext cx="4570095" cy="838835"/>
+          </a:xfrm>
+          <a:prstGeom prst="rect">
+            <a:avLst/>
+          </a:prstGeom>
+        </p:spPr>
+      </p:pic>
+    </p:spTree>
+  </p:cSld>
+  <p:clrMapOvr>
+    <a:masterClrMapping/>
+  </p:clrMapOvr>
+</p:sld>
+</file>
+
+<file path=ppt/slides/slide20.xml><?xml version="1.0" encoding="utf-8"?>
+<p:sld xmlns:a="http://schemas.openxmlformats.org/drawingml/2006/main" xmlns:r="http://schemas.openxmlformats.org/officeDocument/2006/relationships" xmlns:p="http://schemas.openxmlformats.org/presentationml/2006/main">
+  <p:cSld>
+    <p:spTree>
+      <p:nvGrpSpPr>
+        <p:cNvPr id="1" name=""/>
+        <p:cNvGrpSpPr/>
+        <p:nvPr/>
+      </p:nvGrpSpPr>
+      <p:grpSpPr/>
+      <p:pic>
+        <p:nvPicPr>
+          <p:cNvPr id="15" name="Picture 14"/>
+          <p:cNvPicPr>
+            <a:picLocks noChangeAspect="1"/>
+          </p:cNvPicPr>
+          <p:nvPr/>
+        </p:nvPicPr>
+        <p:blipFill>
+          <a:blip r:embed="rId1"/>
+          <a:stretch>
+            <a:fillRect/>
+          </a:stretch>
+        </p:blipFill>
+        <p:spPr>
+          <a:xfrm>
+            <a:off x="7641590" y="5982970"/>
+            <a:ext cx="4570095" cy="838835"/>
+          </a:xfrm>
+          <a:prstGeom prst="rect">
+            <a:avLst/>
+          </a:prstGeom>
+        </p:spPr>
+      </p:pic>
+      <p:sp>
+        <p:nvSpPr>
+          <p:cNvPr id="2" name="Text Box 1"/>
+          <p:cNvSpPr txBox="1"/>
+          <p:nvPr/>
+        </p:nvSpPr>
+        <p:spPr>
+          <a:xfrm>
+            <a:off x="23495" y="1007745"/>
+            <a:ext cx="2540000" cy="368300"/>
+          </a:xfrm>
+          <a:prstGeom prst="rect">
+            <a:avLst/>
+          </a:prstGeom>
+          <a:noFill/>
+        </p:spPr>
+        <p:txBody>
+          <a:bodyPr wrap="square" rtlCol="0" anchor="t">
+            <a:spAutoFit/>
+          </a:bodyPr>
+          <a:p>
+            <a:r>
+              <a:rPr lang="en-US"/>
+              <a:t>&lt;1&gt; 背光</a:t>
+            </a:r>
+            <a:endParaRPr lang="en-US"/>
+          </a:p>
+        </p:txBody>
+      </p:sp>
+      <p:sp>
+        <p:nvSpPr>
+          <p:cNvPr id="3" name="Text Box 2"/>
+          <p:cNvSpPr txBox="1"/>
+          <p:nvPr/>
+        </p:nvSpPr>
+        <p:spPr>
+          <a:xfrm>
+            <a:off x="118745" y="1376045"/>
+            <a:ext cx="5857875" cy="737235"/>
+          </a:xfrm>
+          <a:prstGeom prst="rect">
+            <a:avLst/>
+          </a:prstGeom>
+          <a:noFill/>
+        </p:spPr>
+        <p:txBody>
+          <a:bodyPr wrap="square" rtlCol="0" anchor="t">
+            <a:spAutoFit/>
+          </a:bodyPr>
+          <a:p>
+            <a:r>
+              <a:rPr lang="en-US" sz="1400"/>
+              <a:t>// mdss_fb_set_backlight 函数追踪</a:t>
+            </a:r>
+            <a:endParaRPr lang="en-US" sz="1400"/>
+          </a:p>
+          <a:p>
+            <a:endParaRPr lang="en-US" sz="1400"/>
+          </a:p>
+          <a:p>
+            <a:r>
+              <a:rPr lang="en-US" sz="1400"/>
+              <a:t>mdss_fb_set_backlight</a:t>
+            </a:r>
+            <a:r>
+              <a:rPr lang="" altLang="en-US" sz="1400"/>
+              <a:t>()</a:t>
+            </a:r>
+            <a:r>
+              <a:rPr lang="en-US" sz="1400"/>
+              <a:t>    // mdss_fb.c</a:t>
+            </a:r>
+            <a:endParaRPr lang="en-US" sz="1400"/>
+          </a:p>
+        </p:txBody>
+      </p:sp>
+      <p:sp>
+        <p:nvSpPr>
+          <p:cNvPr id="4" name="Text Box 3"/>
+          <p:cNvSpPr txBox="1"/>
+          <p:nvPr/>
+        </p:nvSpPr>
+        <p:spPr>
+          <a:xfrm>
+            <a:off x="712470" y="2251075"/>
+            <a:ext cx="5264150" cy="306705"/>
+          </a:xfrm>
+          <a:prstGeom prst="rect">
+            <a:avLst/>
+          </a:prstGeom>
+          <a:noFill/>
+        </p:spPr>
+        <p:txBody>
+          <a:bodyPr wrap="square" rtlCol="0" anchor="t">
+            <a:spAutoFit/>
+          </a:bodyPr>
+          <a:p>
+            <a:r>
+              <a:rPr lang="en-US" sz="1400"/>
+              <a:t> pdata-&gt;set_backlight(pdata, temp);</a:t>
+            </a:r>
+            <a:endParaRPr lang="en-US" sz="1400"/>
+          </a:p>
+        </p:txBody>
+      </p:sp>
+      <p:sp>
+        <p:nvSpPr>
+          <p:cNvPr id="5" name="Text Box 4"/>
+          <p:cNvSpPr txBox="1"/>
+          <p:nvPr/>
+        </p:nvSpPr>
+        <p:spPr>
+          <a:xfrm>
+            <a:off x="118745" y="3168015"/>
+            <a:ext cx="7245350" cy="521970"/>
+          </a:xfrm>
+          <a:prstGeom prst="rect">
+            <a:avLst/>
+          </a:prstGeom>
+          <a:noFill/>
+        </p:spPr>
+        <p:txBody>
+          <a:bodyPr wrap="square" rtlCol="0" anchor="t">
+            <a:spAutoFit/>
+          </a:bodyPr>
+          <a:p>
+            <a:r>
+              <a:rPr lang="en-US" sz="1400"/>
+              <a:t>// (drivers\video\msm\mdss\mdss_dsi_panel.c)</a:t>
+            </a:r>
+            <a:endParaRPr lang="en-US" sz="1400"/>
+          </a:p>
+          <a:p>
+            <a:r>
+              <a:rPr lang="en-US" sz="1400"/>
+              <a:t>    ctrl_pdata-&gt;panel_data.set_backlight = mdss_dsi_panel_bl_ctrl;</a:t>
+            </a:r>
+            <a:endParaRPr lang="en-US" sz="1400"/>
+          </a:p>
+        </p:txBody>
+      </p:sp>
+      <p:sp>
+        <p:nvSpPr>
+          <p:cNvPr id="6" name="Text Box 5"/>
+          <p:cNvSpPr txBox="1"/>
+          <p:nvPr/>
+        </p:nvSpPr>
+        <p:spPr>
+          <a:xfrm>
+            <a:off x="4370705" y="3809365"/>
+            <a:ext cx="6833870" cy="2676525"/>
+          </a:xfrm>
+          <a:prstGeom prst="rect">
+            <a:avLst/>
+          </a:prstGeom>
+          <a:noFill/>
+        </p:spPr>
+        <p:txBody>
+          <a:bodyPr wrap="square" rtlCol="0" anchor="t">
+            <a:spAutoFit/>
+          </a:bodyPr>
+          <a:p>
+            <a:r>
+              <a:rPr lang="en-US" sz="1400"/>
+              <a:t>        switch (ctrl_pdata-&gt;bklt_ctrl) {</a:t>
+            </a:r>
+            <a:endParaRPr lang="en-US" sz="1400"/>
+          </a:p>
+          <a:p>
+            <a:r>
+              <a:rPr lang="en-US" sz="1400"/>
+              <a:t>        case BL_WLED:</a:t>
+            </a:r>
+            <a:endParaRPr lang="en-US" sz="1400"/>
+          </a:p>
+          <a:p>
+            <a:r>
+              <a:rPr lang="en-US" sz="1400"/>
+              <a:t>                led_trigger_event(bl_led_trigger, bl_level);</a:t>
+            </a:r>
+            <a:endParaRPr lang="en-US" sz="1400"/>
+          </a:p>
+          <a:p>
+            <a:r>
+              <a:rPr lang="en-US" sz="1400"/>
+              <a:t>                break;</a:t>
+            </a:r>
+            <a:endParaRPr lang="en-US" sz="1400"/>
+          </a:p>
+          <a:p>
+            <a:r>
+              <a:rPr lang="en-US" sz="1400"/>
+              <a:t>        case BL_PWM:</a:t>
+            </a:r>
+            <a:endParaRPr lang="en-US" sz="1400"/>
+          </a:p>
+          <a:p>
+            <a:r>
+              <a:rPr lang="en-US" sz="1400"/>
+              <a:t>                mdss_dsi_panel_bklt_pwm(ctrl_pdata, bl_level);</a:t>
+            </a:r>
+            <a:endParaRPr lang="en-US" sz="1400"/>
+          </a:p>
+          <a:p>
+            <a:r>
+              <a:rPr lang="en-US" sz="1400"/>
+              <a:t>                break;</a:t>
+            </a:r>
+            <a:endParaRPr lang="en-US" sz="1400"/>
+          </a:p>
+          <a:p>
+            <a:r>
+              <a:rPr lang="en-US" sz="1400"/>
+              <a:t>        case BL_DCS_CMD:</a:t>
+            </a:r>
+            <a:endParaRPr lang="en-US" sz="1400"/>
+          </a:p>
+          <a:p>
+            <a:r>
+              <a:rPr lang="en-US" sz="1400"/>
+              <a:t>                if (!mdss_dsi_sync_wait_enable(ctrl_pdata)) {</a:t>
+            </a:r>
+            <a:endParaRPr lang="en-US" sz="1400"/>
+          </a:p>
+          <a:p>
+            <a:r>
+              <a:rPr lang="en-US" sz="1400"/>
+              <a:t>                        mdss_dsi_panel_bklt_dcs(ctrl_pdata, bl_level);</a:t>
+            </a:r>
+            <a:endParaRPr lang="en-US" sz="1400"/>
+          </a:p>
+          <a:p>
+            <a:r>
+              <a:rPr lang="en-US" sz="1400"/>
+              <a:t>                        break;</a:t>
+            </a:r>
+            <a:endParaRPr lang="en-US" sz="1400"/>
+          </a:p>
+          <a:p>
+            <a:r>
+              <a:rPr lang="en-US" sz="1400"/>
+              <a:t>                }</a:t>
+            </a:r>
+            <a:endParaRPr lang="en-US" sz="1400"/>
+          </a:p>
+        </p:txBody>
+      </p:sp>
+      <p:cxnSp>
+        <p:nvCxnSpPr>
+          <p:cNvPr id="7" name="Straight Arrow Connector 6"/>
+          <p:cNvCxnSpPr/>
+          <p:nvPr/>
+        </p:nvCxnSpPr>
+        <p:spPr>
+          <a:xfrm>
+            <a:off x="2138045" y="2449195"/>
+            <a:ext cx="603885" cy="1028700"/>
+          </a:xfrm>
+          <a:prstGeom prst="straightConnector1">
+            <a:avLst/>
+          </a:prstGeom>
+          <a:gradFill rotWithShape="0">
+            <a:gsLst>
+              <a:gs pos="0">
+                <a:schemeClr val="accent1"/>
+              </a:gs>
+              <a:gs pos="100000">
+                <a:schemeClr val="accent2"/>
+              </a:gs>
+            </a:gsLst>
+            <a:lin ang="5400000" scaled="1"/>
+          </a:gradFill>
+          <a:ln w="9525" cap="flat" cmpd="sng" algn="ctr">
+            <a:solidFill>
+              <a:schemeClr val="accent1"/>
+            </a:solidFill>
+            <a:prstDash val="solid"/>
+            <a:round/>
+            <a:headEnd type="none" w="med" len="med"/>
+            <a:tailEnd type="arrow" w="med" len="med"/>
+          </a:ln>
+        </p:spPr>
+      </p:cxnSp>
+      <p:cxnSp>
+        <p:nvCxnSpPr>
+          <p:cNvPr id="8" name="Straight Arrow Connector 7"/>
+          <p:cNvCxnSpPr/>
+          <p:nvPr/>
+        </p:nvCxnSpPr>
+        <p:spPr>
+          <a:xfrm>
+            <a:off x="4491355" y="3647440"/>
+            <a:ext cx="424180" cy="201295"/>
+          </a:xfrm>
+          <a:prstGeom prst="straightConnector1">
+            <a:avLst/>
+          </a:prstGeom>
+          <a:gradFill rotWithShape="0">
+            <a:gsLst>
+              <a:gs pos="0">
+                <a:schemeClr val="accent1"/>
+              </a:gs>
+              <a:gs pos="100000">
+                <a:schemeClr val="accent2"/>
+              </a:gs>
+            </a:gsLst>
+            <a:lin ang="5400000" scaled="1"/>
+          </a:gradFill>
+          <a:ln w="9525" cap="flat" cmpd="sng" algn="ctr">
+            <a:solidFill>
+              <a:schemeClr val="accent1"/>
+            </a:solidFill>
+            <a:prstDash val="solid"/>
+            <a:round/>
+            <a:headEnd type="none" w="med" len="med"/>
+            <a:tailEnd type="arrow" w="med" len="med"/>
+          </a:ln>
+        </p:spPr>
+      </p:cxnSp>
+      <p:sp>
+        <p:nvSpPr>
+          <p:cNvPr id="9" name="Text Box 8"/>
+          <p:cNvSpPr txBox="1"/>
+          <p:nvPr/>
+        </p:nvSpPr>
+        <p:spPr>
+          <a:xfrm>
+            <a:off x="4491355" y="1163955"/>
+            <a:ext cx="6970395" cy="737235"/>
+          </a:xfrm>
+          <a:prstGeom prst="rect">
+            <a:avLst/>
+          </a:prstGeom>
+          <a:noFill/>
+        </p:spPr>
+        <p:txBody>
+          <a:bodyPr wrap="square" rtlCol="0" anchor="t">
+            <a:spAutoFit/>
+          </a:bodyPr>
+          <a:p>
+            <a:r>
+              <a:rPr lang="en-US" sz="1400"/>
+              <a:t>背光的控制方式由 dsi中的 qcom,mdss-dsi-bl-pmic-control-type 属性值控制 ！</a:t>
+            </a:r>
+            <a:endParaRPr lang="en-US" sz="1400"/>
+          </a:p>
+          <a:p>
+            <a:endParaRPr lang="en-US" sz="1400"/>
+          </a:p>
+          <a:p>
+            <a:r>
+              <a:rPr lang="en-US" sz="1400"/>
+              <a:t>qcom,mdss-dsi-bl-pmic-control-type = "bl_ctrl_wled" ， “bl_ctrl_pwm”;</a:t>
+            </a:r>
+            <a:endParaRPr lang="en-US" sz="1400"/>
+          </a:p>
+        </p:txBody>
+      </p:sp>
+    </p:spTree>
+  </p:cSld>
+  <p:clrMapOvr>
+    <a:masterClrMapping/>
+  </p:clrMapOvr>
+</p:sld>
+</file>
+
+<file path=ppt/slides/slide21.xml><?xml version="1.0" encoding="utf-8"?>
+<p:sld xmlns:a="http://schemas.openxmlformats.org/drawingml/2006/main" xmlns:r="http://schemas.openxmlformats.org/officeDocument/2006/relationships" xmlns:p="http://schemas.openxmlformats.org/presentationml/2006/main">
+  <p:cSld>
+    <p:spTree>
+      <p:nvGrpSpPr>
+        <p:cNvPr id="1" name=""/>
+        <p:cNvGrpSpPr/>
+        <p:nvPr/>
+      </p:nvGrpSpPr>
+      <p:grpSpPr/>
+      <p:pic>
+        <p:nvPicPr>
+          <p:cNvPr id="15" name="Picture 14"/>
+          <p:cNvPicPr>
+            <a:picLocks noChangeAspect="1"/>
+          </p:cNvPicPr>
+          <p:nvPr/>
+        </p:nvPicPr>
+        <p:blipFill>
+          <a:blip r:embed="rId1"/>
+          <a:stretch>
+            <a:fillRect/>
+          </a:stretch>
+        </p:blipFill>
+        <p:spPr>
+          <a:xfrm>
+            <a:off x="7641590" y="5982970"/>
+            <a:ext cx="4570095" cy="838835"/>
+          </a:xfrm>
+          <a:prstGeom prst="rect">
+            <a:avLst/>
+          </a:prstGeom>
+        </p:spPr>
+      </p:pic>
+      <p:sp>
+        <p:nvSpPr>
+          <p:cNvPr id="2" name="Text Box 1"/>
+          <p:cNvSpPr txBox="1"/>
+          <p:nvPr/>
+        </p:nvSpPr>
+        <p:spPr>
+          <a:xfrm>
+            <a:off x="12700" y="1007745"/>
+            <a:ext cx="2540000" cy="368300"/>
+          </a:xfrm>
+          <a:prstGeom prst="rect">
+            <a:avLst/>
+          </a:prstGeom>
+          <a:noFill/>
+        </p:spPr>
+        <p:txBody>
+          <a:bodyPr wrap="square" rtlCol="0" anchor="t">
+            <a:spAutoFit/>
+          </a:bodyPr>
+          <a:p>
+            <a:r>
+              <a:rPr lang="en-US"/>
+              <a:t>&lt;2&gt; 显示</a:t>
+            </a:r>
+            <a:endParaRPr lang="en-US"/>
+          </a:p>
+        </p:txBody>
+      </p:sp>
+      <p:sp>
+        <p:nvSpPr>
+          <p:cNvPr id="3" name="Text Box 2"/>
+          <p:cNvSpPr txBox="1"/>
+          <p:nvPr/>
+        </p:nvSpPr>
+        <p:spPr>
+          <a:xfrm>
+            <a:off x="257810" y="1376045"/>
+            <a:ext cx="7564120" cy="5262245"/>
+          </a:xfrm>
+          <a:prstGeom prst="rect">
+            <a:avLst/>
+          </a:prstGeom>
+          <a:noFill/>
+        </p:spPr>
+        <p:txBody>
+          <a:bodyPr wrap="square" rtlCol="0" anchor="t">
+            <a:spAutoFit/>
+          </a:bodyPr>
+          <a:p>
+            <a:r>
+              <a:rPr lang="en-US" sz="1400"/>
+              <a:t>// (drivers\video</a:t>
+            </a:r>
+            <a:r>
+              <a:rPr lang="" altLang="en-US" sz="1400"/>
+              <a:t>\fbdev</a:t>
+            </a:r>
+            <a:r>
+              <a:rPr lang="en-US" sz="1400"/>
+              <a:t>\msm</a:t>
+            </a:r>
+            <a:r>
+              <a:rPr lang="" altLang="en-US" sz="1400"/>
+              <a:t>\</a:t>
+            </a:r>
+            <a:r>
+              <a:rPr lang="en-US" sz="1400"/>
+              <a:t>mdp3_ctrl.c)   </a:t>
+            </a:r>
+            <a:endParaRPr lang="en-US" sz="1400"/>
+          </a:p>
+          <a:p>
+            <a:r>
+              <a:rPr lang="en-US" sz="1400"/>
+              <a:t>mdp3_interface-&gt;on_fnc  </a:t>
+            </a:r>
+            <a:endParaRPr lang="en-US" sz="1400"/>
+          </a:p>
+          <a:p>
+            <a:r>
+              <a:rPr lang="en-US" sz="1400"/>
+              <a:t>mdp3_interface-&gt;off_fnc  </a:t>
+            </a:r>
+            <a:endParaRPr lang="en-US" sz="1400"/>
+          </a:p>
+          <a:p>
+            <a:r>
+              <a:rPr lang="en-US" sz="1400"/>
+              <a:t> event_handler</a:t>
+            </a:r>
+            <a:endParaRPr lang="en-US" sz="1400"/>
+          </a:p>
+          <a:p>
+            <a:endParaRPr lang="en-US" sz="1400"/>
+          </a:p>
+          <a:p>
+            <a:r>
+              <a:rPr lang="en-US" sz="1400"/>
+              <a:t>mdp3_interface-&gt;on_fnc =mdp3_ctrl_on </a:t>
+            </a:r>
+            <a:r>
+              <a:rPr lang="" altLang="en-US" sz="1400"/>
+              <a:t>()</a:t>
+            </a:r>
+            <a:r>
+              <a:rPr lang="en-US" sz="1400"/>
+              <a:t>     </a:t>
+            </a:r>
+            <a:endParaRPr lang="en-US" sz="1400"/>
+          </a:p>
+          <a:p>
+            <a:endParaRPr lang="en-US" sz="1400"/>
+          </a:p>
+          <a:p>
+            <a:r>
+              <a:rPr lang="en-US" sz="1400"/>
+              <a:t>        mdp3_clk_enable(1, 0);</a:t>
+            </a:r>
+            <a:endParaRPr lang="en-US" sz="1400"/>
+          </a:p>
+          <a:p>
+            <a:r>
+              <a:rPr lang="en-US" sz="1400"/>
+              <a:t>        rc = panel-&gt;event_handler(panel,</a:t>
+            </a:r>
+            <a:endParaRPr lang="en-US" sz="1400"/>
+          </a:p>
+          <a:p>
+            <a:r>
+              <a:rPr lang="en-US" sz="1400"/>
+              <a:t>                MDSS_EVENT_LINK_READY, NULL);    // 开电 ①</a:t>
+            </a:r>
+            <a:endParaRPr lang="en-US" sz="1400"/>
+          </a:p>
+          <a:p>
+            <a:r>
+              <a:rPr lang="en-US" sz="1400"/>
+              <a:t>        rc |= panel-&gt;event_handler(panel,</a:t>
+            </a:r>
+            <a:endParaRPr lang="en-US" sz="1400"/>
+          </a:p>
+          <a:p>
+            <a:r>
+              <a:rPr lang="en-US" sz="1400"/>
+              <a:t>                MDSS_EVENT_UNBLANK, NULL);       // 执行亮屏指令 ②</a:t>
+            </a:r>
+            <a:endParaRPr lang="en-US" sz="1400"/>
+          </a:p>
+          <a:p>
+            <a:r>
+              <a:rPr lang="en-US" sz="1400"/>
+              <a:t>        rc |= panel-&gt;event_handler(panel,</a:t>
+            </a:r>
+            <a:endParaRPr lang="en-US" sz="1400"/>
+          </a:p>
+          <a:p>
+            <a:r>
+              <a:rPr lang="en-US" sz="1400"/>
+              <a:t>                MDSS_EVENT_PANEL_ON, NULL);</a:t>
+            </a:r>
+            <a:endParaRPr lang="en-US" sz="1400"/>
+          </a:p>
+          <a:p>
+            <a:r>
+              <a:rPr lang="en-US" sz="1400"/>
+              <a:t>            mdp3_clk_enable(0, 0);</a:t>
+            </a:r>
+            <a:endParaRPr lang="en-US" sz="1400"/>
+          </a:p>
+          <a:p>
+            <a:endParaRPr lang="en-US" sz="1400"/>
+          </a:p>
+          <a:p>
+            <a:endParaRPr lang="en-US" sz="1400"/>
+          </a:p>
+          <a:p>
+            <a:r>
+              <a:rPr lang="en-US" sz="1400"/>
+              <a:t>mdp3_interface-&gt;off_fnc = mdp3_ctrl_off</a:t>
+            </a:r>
+            <a:r>
+              <a:rPr lang="" altLang="en-US" sz="1400"/>
+              <a:t>()</a:t>
+            </a:r>
+            <a:r>
+              <a:rPr lang="en-US" sz="1400"/>
+              <a:t>;</a:t>
+            </a:r>
+            <a:endParaRPr lang="en-US" sz="1400"/>
+          </a:p>
+          <a:p>
+            <a:r>
+              <a:rPr lang="en-US" sz="1400"/>
+              <a:t>      </a:t>
+            </a:r>
+            <a:endParaRPr lang="en-US" sz="1400"/>
+          </a:p>
+          <a:p>
+            <a:r>
+              <a:rPr lang="en-US" sz="1400"/>
+              <a:t>  rc = panel-&gt;event_handler(panel, MDSS_EVENT_BLANK,      // 执行灭屏指令 ②</a:t>
+            </a:r>
+            <a:endParaRPr lang="en-US" sz="1400"/>
+          </a:p>
+          <a:p>
+            <a:r>
+              <a:rPr lang="en-US" sz="1400"/>
+              <a:t>            (void *) (long int)mfd-&gt;panel_power_state);</a:t>
+            </a:r>
+            <a:endParaRPr lang="en-US" sz="1400"/>
+          </a:p>
+          <a:p>
+            <a:endParaRPr lang="en-US" sz="1400"/>
+          </a:p>
+          <a:p>
+            <a:r>
+              <a:rPr lang="en-US" sz="1400"/>
+              <a:t>        rc = panel-&gt;event_handler(panel, MDSS_EVENT_PANEL_OFF,  // 关电 ①</a:t>
+            </a:r>
+            <a:endParaRPr lang="en-US" sz="1400"/>
+          </a:p>
+          <a:p>
+            <a:r>
+              <a:rPr lang="en-US" sz="1400"/>
+              <a:t>            (void *) (long int)mfd-&gt;panel_power_state);</a:t>
+            </a:r>
+            <a:endParaRPr lang="en-US" sz="1400"/>
+          </a:p>
+        </p:txBody>
+      </p:sp>
+      <p:sp>
+        <p:nvSpPr>
+          <p:cNvPr id="4" name="Text Box 3"/>
+          <p:cNvSpPr txBox="1"/>
+          <p:nvPr/>
+        </p:nvSpPr>
+        <p:spPr>
+          <a:xfrm>
+            <a:off x="7985125" y="1834515"/>
+            <a:ext cx="2540000" cy="306705"/>
+          </a:xfrm>
+          <a:prstGeom prst="rect">
+            <a:avLst/>
+          </a:prstGeom>
+          <a:noFill/>
+        </p:spPr>
+        <p:txBody>
+          <a:bodyPr wrap="square" rtlCol="0" anchor="t">
+            <a:spAutoFit/>
+          </a:bodyPr>
+          <a:p>
+            <a:r>
+              <a:rPr lang="en-US" sz="1400"/>
+              <a:t>mdp3_ctrl_init</a:t>
+            </a:r>
+            <a:r>
+              <a:rPr lang="" altLang="en-US" sz="1400"/>
+              <a:t>()</a:t>
+            </a:r>
+            <a:endParaRPr lang="" altLang="en-US" sz="1400"/>
+          </a:p>
+        </p:txBody>
+      </p:sp>
+      <p:cxnSp>
+        <p:nvCxnSpPr>
+          <p:cNvPr id="5" name="Straight Arrow Connector 4"/>
+          <p:cNvCxnSpPr>
+            <a:stCxn id="4" idx="1"/>
+          </p:cNvCxnSpPr>
+          <p:nvPr/>
+        </p:nvCxnSpPr>
+        <p:spPr>
+          <a:xfrm flipH="1">
+            <a:off x="4194810" y="1988185"/>
+            <a:ext cx="3790315" cy="620395"/>
+          </a:xfrm>
+          <a:prstGeom prst="straightConnector1">
+            <a:avLst/>
+          </a:prstGeom>
+          <a:gradFill rotWithShape="0">
+            <a:gsLst>
+              <a:gs pos="0">
+                <a:schemeClr val="accent1"/>
+              </a:gs>
+              <a:gs pos="100000">
+                <a:schemeClr val="accent2"/>
+              </a:gs>
+            </a:gsLst>
+            <a:lin ang="5400000" scaled="1"/>
+          </a:gradFill>
+          <a:ln w="9525" cap="flat" cmpd="sng" algn="ctr">
+            <a:solidFill>
+              <a:schemeClr val="accent1"/>
+            </a:solidFill>
+            <a:prstDash val="solid"/>
+            <a:round/>
+            <a:headEnd type="none" w="med" len="med"/>
+            <a:tailEnd type="arrow" w="med" len="med"/>
+          </a:ln>
+        </p:spPr>
+      </p:cxnSp>
+      <p:cxnSp>
+        <p:nvCxnSpPr>
+          <p:cNvPr id="6" name="Straight Arrow Connector 5"/>
+          <p:cNvCxnSpPr/>
+          <p:nvPr/>
+        </p:nvCxnSpPr>
+        <p:spPr>
+          <a:xfrm flipH="1">
+            <a:off x="2487930" y="2682875"/>
+            <a:ext cx="424180" cy="307340"/>
+          </a:xfrm>
+          <a:prstGeom prst="straightConnector1">
+            <a:avLst/>
+          </a:prstGeom>
+          <a:gradFill rotWithShape="0">
+            <a:gsLst>
+              <a:gs pos="0">
+                <a:schemeClr val="accent1"/>
+              </a:gs>
+              <a:gs pos="100000">
+                <a:schemeClr val="accent2"/>
+              </a:gs>
+            </a:gsLst>
+            <a:lin ang="5400000" scaled="1"/>
+          </a:gradFill>
+          <a:ln w="9525" cap="flat" cmpd="sng" algn="ctr">
+            <a:solidFill>
+              <a:schemeClr val="accent1"/>
+            </a:solidFill>
+            <a:prstDash val="solid"/>
+            <a:round/>
+            <a:headEnd type="none" w="med" len="med"/>
+            <a:tailEnd type="arrow" w="med" len="med"/>
+          </a:ln>
+        </p:spPr>
+      </p:cxnSp>
+      <p:cxnSp>
+        <p:nvCxnSpPr>
+          <p:cNvPr id="7" name="Straight Arrow Connector 6"/>
+          <p:cNvCxnSpPr/>
+          <p:nvPr/>
+        </p:nvCxnSpPr>
+        <p:spPr>
+          <a:xfrm flipH="1">
+            <a:off x="3982720" y="2089150"/>
+            <a:ext cx="4547870" cy="2915285"/>
+          </a:xfrm>
+          <a:prstGeom prst="straightConnector1">
+            <a:avLst/>
+          </a:prstGeom>
+          <a:gradFill rotWithShape="0">
+            <a:gsLst>
+              <a:gs pos="0">
+                <a:schemeClr val="accent1"/>
+              </a:gs>
+              <a:gs pos="100000">
+                <a:schemeClr val="accent2"/>
+              </a:gs>
+            </a:gsLst>
+            <a:lin ang="5400000" scaled="1"/>
+          </a:gradFill>
+          <a:ln w="9525" cap="flat" cmpd="sng" algn="ctr">
+            <a:solidFill>
+              <a:schemeClr val="accent1"/>
+            </a:solidFill>
+            <a:prstDash val="solid"/>
+            <a:round/>
+            <a:headEnd type="none" w="med" len="med"/>
+            <a:tailEnd type="arrow" w="med" len="med"/>
+          </a:ln>
+        </p:spPr>
+      </p:cxnSp>
+      <p:cxnSp>
+        <p:nvCxnSpPr>
+          <p:cNvPr id="8" name="Straight Arrow Connector 7"/>
+          <p:cNvCxnSpPr/>
+          <p:nvPr/>
+        </p:nvCxnSpPr>
+        <p:spPr>
+          <a:xfrm flipH="1">
+            <a:off x="2010410" y="5216525"/>
+            <a:ext cx="1516380" cy="296545"/>
+          </a:xfrm>
+          <a:prstGeom prst="straightConnector1">
+            <a:avLst/>
+          </a:prstGeom>
+          <a:gradFill rotWithShape="0">
+            <a:gsLst>
+              <a:gs pos="0">
+                <a:schemeClr val="accent1"/>
+              </a:gs>
+              <a:gs pos="100000">
+                <a:schemeClr val="accent2"/>
+              </a:gs>
+            </a:gsLst>
+            <a:lin ang="5400000" scaled="1"/>
+          </a:gradFill>
+          <a:ln w="9525" cap="flat" cmpd="sng" algn="ctr">
+            <a:solidFill>
+              <a:schemeClr val="accent1"/>
+            </a:solidFill>
+            <a:prstDash val="solid"/>
+            <a:round/>
+            <a:headEnd type="none" w="med" len="med"/>
+            <a:tailEnd type="arrow" w="med" len="med"/>
+          </a:ln>
+        </p:spPr>
+      </p:cxnSp>
+    </p:spTree>
+  </p:cSld>
+  <p:clrMapOvr>
+    <a:masterClrMapping/>
+  </p:clrMapOvr>
+</p:sld>
+</file>
+
+<file path=ppt/slides/slide22.xml><?xml version="1.0" encoding="utf-8"?>
+<p:sld xmlns:a="http://schemas.openxmlformats.org/drawingml/2006/main" xmlns:r="http://schemas.openxmlformats.org/officeDocument/2006/relationships" xmlns:p="http://schemas.openxmlformats.org/presentationml/2006/main">
+  <p:cSld>
+    <p:spTree>
+      <p:nvGrpSpPr>
+        <p:cNvPr id="1" name=""/>
+        <p:cNvGrpSpPr/>
+        <p:nvPr/>
+      </p:nvGrpSpPr>
+      <p:grpSpPr/>
+      <p:pic>
+        <p:nvPicPr>
+          <p:cNvPr id="15" name="Picture 14"/>
+          <p:cNvPicPr>
+            <a:picLocks noChangeAspect="1"/>
+          </p:cNvPicPr>
+          <p:nvPr/>
+        </p:nvPicPr>
+        <p:blipFill>
+          <a:blip r:embed="rId1"/>
+          <a:stretch>
+            <a:fillRect/>
+          </a:stretch>
+        </p:blipFill>
+        <p:spPr>
+          <a:xfrm>
+            <a:off x="7641590" y="5982970"/>
+            <a:ext cx="4570095" cy="838835"/>
+          </a:xfrm>
+          <a:prstGeom prst="rect">
+            <a:avLst/>
+          </a:prstGeom>
+        </p:spPr>
+      </p:pic>
+      <p:sp>
+        <p:nvSpPr>
+          <p:cNvPr id="2" name="Text Box 1"/>
+          <p:cNvSpPr txBox="1"/>
+          <p:nvPr/>
+        </p:nvSpPr>
+        <p:spPr>
+          <a:xfrm>
+            <a:off x="45085" y="944245"/>
+            <a:ext cx="2540000" cy="368300"/>
+          </a:xfrm>
+          <a:prstGeom prst="rect">
+            <a:avLst/>
+          </a:prstGeom>
+          <a:noFill/>
+        </p:spPr>
+        <p:txBody>
+          <a:bodyPr wrap="square" rtlCol="0" anchor="t">
+            <a:spAutoFit/>
+          </a:bodyPr>
+          <a:p>
+            <a:r>
+              <a:rPr lang="en-US"/>
+              <a:t>① 开关panel电源</a:t>
+            </a:r>
+            <a:endParaRPr lang="en-US"/>
+          </a:p>
+        </p:txBody>
+      </p:sp>
+      <p:sp>
+        <p:nvSpPr>
+          <p:cNvPr id="3" name="Text Box 2"/>
+          <p:cNvSpPr txBox="1"/>
+          <p:nvPr/>
+        </p:nvSpPr>
+        <p:spPr>
+          <a:xfrm>
+            <a:off x="248285" y="1485900"/>
+            <a:ext cx="7562850" cy="4831080"/>
+          </a:xfrm>
+          <a:prstGeom prst="rect">
+            <a:avLst/>
+          </a:prstGeom>
+          <a:noFill/>
+        </p:spPr>
+        <p:txBody>
+          <a:bodyPr wrap="square" rtlCol="0" anchor="t">
+            <a:spAutoFit/>
+          </a:bodyPr>
+          <a:p>
+            <a:r>
+              <a:rPr lang="en-US" sz="1400"/>
+              <a:t>// mdss_dsi.c   event_handler   MDSS_EVENT_LINK_READY|MDSS_EVENT_PANEL_OFF</a:t>
+            </a:r>
+            <a:endParaRPr lang="en-US" sz="1400"/>
+          </a:p>
+          <a:p>
+            <a:endParaRPr lang="en-US" sz="1400"/>
+          </a:p>
+          <a:p>
+            <a:r>
+              <a:rPr lang="en-US" sz="1400"/>
+              <a:t>dsi_panel_device_register</a:t>
+            </a:r>
+            <a:endParaRPr lang="en-US" sz="1400"/>
+          </a:p>
+          <a:p>
+            <a:r>
+              <a:rPr lang="en-US" sz="1400"/>
+              <a:t>    ctrl_pdata-&gt;panel_data.event_handler = mdss_dsi_event_handler;</a:t>
+            </a:r>
+            <a:endParaRPr lang="en-US" sz="1400"/>
+          </a:p>
+          <a:p>
+            <a:endParaRPr lang="en-US" sz="1400"/>
+          </a:p>
+          <a:p>
+            <a:endParaRPr lang="en-US" sz="1400"/>
+          </a:p>
+          <a:p>
+            <a:r>
+              <a:rPr lang="en-US" sz="1400"/>
+              <a:t>mdss_dsi_event_handler</a:t>
+            </a:r>
+            <a:r>
+              <a:rPr lang="" altLang="en-US" sz="1400"/>
+              <a:t>()</a:t>
+            </a:r>
+            <a:endParaRPr lang="en-US" sz="1400"/>
+          </a:p>
+          <a:p>
+            <a:endParaRPr lang="en-US" sz="1400"/>
+          </a:p>
+          <a:p>
+            <a:r>
+              <a:rPr lang="en-US" sz="1400"/>
+              <a:t>MDSS_EVENT_LINK_READY|MDSS_EVENT_PANEL_OFF</a:t>
+            </a:r>
+            <a:endParaRPr lang="en-US" sz="1400"/>
+          </a:p>
+          <a:p>
+            <a:r>
+              <a:rPr lang="en-US" sz="1400"/>
+              <a:t>   </a:t>
+            </a:r>
+            <a:endParaRPr lang="en-US" sz="1400"/>
+          </a:p>
+          <a:p>
+            <a:r>
+              <a:rPr lang="en-US" sz="1400"/>
+              <a:t>   mdss_dsi_on</a:t>
+            </a:r>
+            <a:r>
+              <a:rPr lang="" altLang="en-US" sz="1400"/>
+              <a:t>()</a:t>
+            </a:r>
+            <a:r>
+              <a:rPr lang="en-US" sz="1400"/>
+              <a:t> | mdss_dsi_off</a:t>
+            </a:r>
+            <a:r>
+              <a:rPr lang="" altLang="en-US" sz="1400"/>
+              <a:t>()</a:t>
+            </a:r>
+            <a:endParaRPr lang="en-US" sz="1400"/>
+          </a:p>
+          <a:p>
+            <a:endParaRPr lang="en-US" sz="1400"/>
+          </a:p>
+          <a:p>
+            <a:r>
+              <a:rPr lang="en-US" sz="1400"/>
+              <a:t>            mdss_dsi_panel_power_ctrl(struct mdss_panel_data * pdata, int power_state)(struct mdss_panel_data *pdata,int power_state)</a:t>
+            </a:r>
+            <a:endParaRPr lang="en-US" sz="1400"/>
+          </a:p>
+          <a:p>
+            <a:endParaRPr lang="en-US" sz="1400"/>
+          </a:p>
+          <a:p>
+            <a:r>
+              <a:rPr lang="en-US" sz="1400"/>
+              <a:t>                    case MDSS_PANEL_POWER_OFF:</a:t>
+            </a:r>
+            <a:endParaRPr lang="en-US" sz="1400"/>
+          </a:p>
+          <a:p>
+            <a:r>
+              <a:rPr lang="en-US" sz="1400"/>
+              <a:t>                    mdss_dsi_panel_power_off(pdata);   // ☆</a:t>
+            </a:r>
+            <a:endParaRPr lang="en-US" sz="1400"/>
+          </a:p>
+          <a:p>
+            <a:endParaRPr lang="en-US" sz="1400"/>
+          </a:p>
+          <a:p>
+            <a:r>
+              <a:rPr lang="en-US" sz="1400"/>
+              <a:t>                    case MDSS_PANEL_POWER_ON:</a:t>
+            </a:r>
+            <a:endParaRPr lang="en-US" sz="1400"/>
+          </a:p>
+          <a:p>
+            <a:r>
+              <a:rPr lang="en-US" sz="1400"/>
+              <a:t>                     mdss_dsi_panel_power_on(pdata);   // ☆</a:t>
+            </a:r>
+            <a:endParaRPr lang="en-US" sz="1400"/>
+          </a:p>
+          <a:p>
+            <a:endParaRPr lang="en-US" sz="1400"/>
+          </a:p>
+        </p:txBody>
+      </p:sp>
+      <p:cxnSp>
+        <p:nvCxnSpPr>
+          <p:cNvPr id="4" name="Straight Arrow Connector 3"/>
+          <p:cNvCxnSpPr/>
+          <p:nvPr/>
+        </p:nvCxnSpPr>
+        <p:spPr>
+          <a:xfrm flipH="1">
+            <a:off x="2056130" y="2300605"/>
+            <a:ext cx="31750" cy="328930"/>
+          </a:xfrm>
+          <a:prstGeom prst="straightConnector1">
+            <a:avLst/>
+          </a:prstGeom>
+          <a:gradFill rotWithShape="0">
+            <a:gsLst>
+              <a:gs pos="0">
+                <a:schemeClr val="accent1"/>
+              </a:gs>
+              <a:gs pos="100000">
+                <a:schemeClr val="accent2"/>
+              </a:gs>
+            </a:gsLst>
+            <a:lin ang="5400000" scaled="1"/>
+          </a:gradFill>
+          <a:ln w="9525" cap="flat" cmpd="sng" algn="ctr">
+            <a:solidFill>
+              <a:schemeClr val="accent1"/>
+            </a:solidFill>
+            <a:prstDash val="solid"/>
+            <a:round/>
+            <a:headEnd type="none" w="med" len="med"/>
+            <a:tailEnd type="arrow" w="med" len="med"/>
+          </a:ln>
+        </p:spPr>
+      </p:cxnSp>
+      <p:cxnSp>
+        <p:nvCxnSpPr>
+          <p:cNvPr id="5" name="Straight Arrow Connector 4"/>
+          <p:cNvCxnSpPr/>
+          <p:nvPr/>
+        </p:nvCxnSpPr>
+        <p:spPr>
+          <a:xfrm flipH="1">
+            <a:off x="1260475" y="3986530"/>
+            <a:ext cx="10795" cy="264795"/>
+          </a:xfrm>
+          <a:prstGeom prst="straightConnector1">
+            <a:avLst/>
+          </a:prstGeom>
+          <a:gradFill rotWithShape="0">
+            <a:gsLst>
+              <a:gs pos="0">
+                <a:schemeClr val="accent1"/>
+              </a:gs>
+              <a:gs pos="100000">
+                <a:schemeClr val="accent2"/>
+              </a:gs>
+            </a:gsLst>
+            <a:lin ang="5400000" scaled="1"/>
+          </a:gradFill>
+          <a:ln w="9525" cap="flat" cmpd="sng" algn="ctr">
+            <a:solidFill>
+              <a:schemeClr val="accent1"/>
+            </a:solidFill>
+            <a:prstDash val="solid"/>
+            <a:round/>
+            <a:headEnd type="none" w="med" len="med"/>
+            <a:tailEnd type="arrow" w="med" len="med"/>
+          </a:ln>
+        </p:spPr>
+      </p:cxnSp>
+      <p:cxnSp>
+        <p:nvCxnSpPr>
+          <p:cNvPr id="6" name="Straight Arrow Connector 5"/>
+          <p:cNvCxnSpPr/>
+          <p:nvPr/>
+        </p:nvCxnSpPr>
+        <p:spPr>
+          <a:xfrm>
+            <a:off x="1313815" y="4453255"/>
+            <a:ext cx="657225" cy="243840"/>
+          </a:xfrm>
+          <a:prstGeom prst="straightConnector1">
+            <a:avLst/>
+          </a:prstGeom>
+          <a:gradFill rotWithShape="0">
+            <a:gsLst>
+              <a:gs pos="0">
+                <a:schemeClr val="accent1"/>
+              </a:gs>
+              <a:gs pos="100000">
+                <a:schemeClr val="accent2"/>
+              </a:gs>
+            </a:gsLst>
+            <a:lin ang="5400000" scaled="1"/>
+          </a:gradFill>
+          <a:ln w="9525" cap="flat" cmpd="sng" algn="ctr">
+            <a:solidFill>
+              <a:schemeClr val="accent1"/>
+            </a:solidFill>
+            <a:prstDash val="solid"/>
+            <a:round/>
+            <a:headEnd type="none" w="med" len="med"/>
+            <a:tailEnd type="arrow" w="med" len="med"/>
+          </a:ln>
+        </p:spPr>
+      </p:cxnSp>
+      <p:cxnSp>
+        <p:nvCxnSpPr>
+          <p:cNvPr id="7" name="Straight Arrow Connector 6"/>
+          <p:cNvCxnSpPr/>
+          <p:nvPr/>
+        </p:nvCxnSpPr>
+        <p:spPr>
+          <a:xfrm flipH="1">
+            <a:off x="1504315" y="3573145"/>
+            <a:ext cx="32385" cy="243840"/>
+          </a:xfrm>
+          <a:prstGeom prst="straightConnector1">
+            <a:avLst/>
+          </a:prstGeom>
+          <a:gradFill rotWithShape="0">
+            <a:gsLst>
+              <a:gs pos="0">
+                <a:schemeClr val="accent1"/>
+              </a:gs>
+              <a:gs pos="100000">
+                <a:schemeClr val="accent2"/>
+              </a:gs>
+            </a:gsLst>
+            <a:lin ang="5400000" scaled="1"/>
+          </a:gradFill>
+          <a:ln w="9525" cap="flat" cmpd="sng" algn="ctr">
+            <a:solidFill>
+              <a:schemeClr val="accent1"/>
+            </a:solidFill>
+            <a:prstDash val="solid"/>
+            <a:round/>
+            <a:headEnd type="none" w="med" len="med"/>
+            <a:tailEnd type="arrow" w="med" len="med"/>
+          </a:ln>
+        </p:spPr>
+      </p:cxnSp>
+    </p:spTree>
+  </p:cSld>
+  <p:clrMapOvr>
+    <a:masterClrMapping/>
+  </p:clrMapOvr>
+</p:sld>
+</file>
+
+<file path=ppt/slides/slide23.xml><?xml version="1.0" encoding="utf-8"?>
+<p:sld xmlns:a="http://schemas.openxmlformats.org/drawingml/2006/main" xmlns:r="http://schemas.openxmlformats.org/officeDocument/2006/relationships" xmlns:p="http://schemas.openxmlformats.org/presentationml/2006/main">
+  <p:cSld>
+    <p:spTree>
+      <p:nvGrpSpPr>
+        <p:cNvPr id="1" name=""/>
+        <p:cNvGrpSpPr/>
+        <p:nvPr/>
+      </p:nvGrpSpPr>
+      <p:grpSpPr/>
+      <p:pic>
+        <p:nvPicPr>
+          <p:cNvPr id="15" name="Picture 14"/>
+          <p:cNvPicPr>
+            <a:picLocks noChangeAspect="1"/>
+          </p:cNvPicPr>
+          <p:nvPr/>
+        </p:nvPicPr>
+        <p:blipFill>
+          <a:blip r:embed="rId1"/>
+          <a:stretch>
+            <a:fillRect/>
+          </a:stretch>
+        </p:blipFill>
+        <p:spPr>
+          <a:xfrm>
+            <a:off x="7641590" y="5982970"/>
+            <a:ext cx="4570095" cy="838835"/>
+          </a:xfrm>
+          <a:prstGeom prst="rect">
+            <a:avLst/>
+          </a:prstGeom>
+        </p:spPr>
+      </p:pic>
+      <p:sp>
+        <p:nvSpPr>
+          <p:cNvPr id="2" name="Text Box 1"/>
+          <p:cNvSpPr txBox="1"/>
+          <p:nvPr/>
+        </p:nvSpPr>
+        <p:spPr>
+          <a:xfrm>
+            <a:off x="-8255" y="1039495"/>
+            <a:ext cx="2540000" cy="368300"/>
+          </a:xfrm>
+          <a:prstGeom prst="rect">
+            <a:avLst/>
+          </a:prstGeom>
+          <a:noFill/>
+        </p:spPr>
+        <p:txBody>
+          <a:bodyPr wrap="square" rtlCol="0" anchor="t">
+            <a:spAutoFit/>
+          </a:bodyPr>
+          <a:p>
+            <a:r>
+              <a:rPr lang="en-US"/>
+              <a:t>② 开关panel</a:t>
+            </a:r>
+            <a:endParaRPr lang="en-US"/>
+          </a:p>
+        </p:txBody>
+      </p:sp>
+      <p:sp>
+        <p:nvSpPr>
+          <p:cNvPr id="3" name="Text Box 2"/>
+          <p:cNvSpPr txBox="1"/>
+          <p:nvPr/>
+        </p:nvSpPr>
+        <p:spPr>
+          <a:xfrm>
+            <a:off x="277495" y="1407795"/>
+            <a:ext cx="7045960" cy="5477510"/>
+          </a:xfrm>
+          <a:prstGeom prst="rect">
+            <a:avLst/>
+          </a:prstGeom>
+          <a:noFill/>
+        </p:spPr>
+        <p:txBody>
+          <a:bodyPr wrap="square" rtlCol="0" anchor="t">
+            <a:spAutoFit/>
+          </a:bodyPr>
+          <a:p>
+            <a:r>
+              <a:rPr lang="en-US" sz="1400"/>
+              <a:t>/*  MDSS_EVENT_UNBLANK | MDSS_EVENT_BLANK (drivers\video\msm\mdss\mdss_dsi.c)*/</a:t>
+            </a:r>
+            <a:endParaRPr lang="en-US" sz="1400"/>
+          </a:p>
+          <a:p>
+            <a:r>
+              <a:rPr lang="en-US" sz="1400">
+                <a:solidFill>
+                  <a:srgbClr val="FF0000"/>
+                </a:solidFill>
+              </a:rPr>
+              <a:t>mdss_dsi_event_handler</a:t>
+            </a:r>
+            <a:r>
+              <a:rPr lang="" altLang="en-US" sz="1400">
+                <a:solidFill>
+                  <a:srgbClr val="FF0000"/>
+                </a:solidFill>
+              </a:rPr>
+              <a:t>()</a:t>
+            </a:r>
+            <a:endParaRPr lang="en-US" sz="1400"/>
+          </a:p>
+          <a:p>
+            <a:r>
+              <a:rPr lang="en-US" sz="1400"/>
+              <a:t>        case MDSS_EVENT_UNBLANK:</a:t>
+            </a:r>
+            <a:endParaRPr lang="en-US" sz="1400"/>
+          </a:p>
+          <a:p>
+            <a:r>
+              <a:rPr lang="en-US" sz="1400"/>
+              <a:t>        if (ctrl_pdata-&gt;on_cmds.link_state == DSI_LP_MODE)</a:t>
+            </a:r>
+            <a:endParaRPr lang="en-US" sz="1400"/>
+          </a:p>
+          <a:p>
+            <a:r>
+              <a:rPr lang="en-US" sz="1400"/>
+              <a:t>            rc =</a:t>
+            </a:r>
+            <a:r>
+              <a:rPr lang="en-US" sz="1400">
+                <a:solidFill>
+                  <a:srgbClr val="FF0000"/>
+                </a:solidFill>
+              </a:rPr>
+              <a:t> mdss_dsi_unblank</a:t>
+            </a:r>
+            <a:r>
+              <a:rPr lang="en-US" sz="1400"/>
+              <a:t>(pdata);   // ☆</a:t>
+            </a:r>
+            <a:endParaRPr lang="en-US" sz="1400"/>
+          </a:p>
+          <a:p>
+            <a:r>
+              <a:rPr lang="en-US" sz="1400"/>
+              <a:t>        break;</a:t>
+            </a:r>
+            <a:endParaRPr lang="en-US" sz="1400"/>
+          </a:p>
+          <a:p>
+            <a:endParaRPr lang="en-US" sz="1400"/>
+          </a:p>
+          <a:p>
+            <a:r>
+              <a:rPr lang="en-US" sz="1400"/>
+              <a:t>    case MDSS_EVENT_PANEL_ON:</a:t>
+            </a:r>
+            <a:endParaRPr lang="en-US" sz="1400"/>
+          </a:p>
+          <a:p>
+            <a:r>
+              <a:rPr lang="en-US" sz="1400"/>
+              <a:t>        ctrl_pdata-&gt;ctrl_state |= CTRL_STATE_MDP_ACTIVE;</a:t>
+            </a:r>
+            <a:endParaRPr lang="en-US" sz="1400"/>
+          </a:p>
+          <a:p>
+            <a:r>
+              <a:rPr lang="en-US" sz="1400"/>
+              <a:t>        if (ctrl_pdata-&gt;on_cmds.link_state == DSI_HS_MODE)</a:t>
+            </a:r>
+            <a:endParaRPr lang="en-US" sz="1400"/>
+          </a:p>
+          <a:p>
+            <a:r>
+              <a:rPr lang="en-US" sz="1400"/>
+              <a:t>            rc = </a:t>
+            </a:r>
+            <a:r>
+              <a:rPr lang="en-US" sz="1400">
+                <a:solidFill>
+                  <a:srgbClr val="FF0000"/>
+                </a:solidFill>
+              </a:rPr>
+              <a:t>mdss_dsi_unblank</a:t>
+            </a:r>
+            <a:r>
+              <a:rPr lang="en-US" sz="1400"/>
+              <a:t>(pdata);</a:t>
+            </a:r>
+            <a:endParaRPr lang="en-US" sz="1400"/>
+          </a:p>
+          <a:p>
+            <a:r>
+              <a:rPr lang="en-US" sz="1400"/>
+              <a:t>        pdata-&gt;panel_info.esd_rdy = true;</a:t>
+            </a:r>
+            <a:endParaRPr lang="en-US" sz="1400"/>
+          </a:p>
+          <a:p>
+            <a:r>
+              <a:rPr lang="en-US" sz="1400"/>
+              <a:t>        break;</a:t>
+            </a:r>
+            <a:endParaRPr lang="en-US" sz="1400"/>
+          </a:p>
+          <a:p>
+            <a:r>
+              <a:rPr lang="en-US" sz="1400"/>
+              <a:t>    case MDSS_EVENT_BLANK:</a:t>
+            </a:r>
+            <a:endParaRPr lang="en-US" sz="1400"/>
+          </a:p>
+          <a:p>
+            <a:r>
+              <a:rPr lang="en-US" sz="1400"/>
+              <a:t>        if (ctrl_pdata-&gt;off_cmds.link_state == DSI_HS_MODE)</a:t>
+            </a:r>
+            <a:endParaRPr lang="en-US" sz="1400"/>
+          </a:p>
+          <a:p>
+            <a:r>
+              <a:rPr lang="en-US" sz="1400"/>
+              <a:t>            rc = </a:t>
+            </a:r>
+            <a:r>
+              <a:rPr lang="en-US" sz="1400">
+                <a:solidFill>
+                  <a:srgbClr val="FF0000"/>
+                </a:solidFill>
+              </a:rPr>
+              <a:t>mdss_dsi_blank</a:t>
+            </a:r>
+            <a:r>
+              <a:rPr lang="en-US" sz="1400"/>
+              <a:t>(pdata, power_state); // ☆</a:t>
+            </a:r>
+            <a:endParaRPr lang="en-US" sz="1400"/>
+          </a:p>
+          <a:p>
+            <a:r>
+              <a:rPr lang="en-US" sz="1400"/>
+              <a:t>        break;</a:t>
+            </a:r>
+            <a:endParaRPr lang="en-US" sz="1400"/>
+          </a:p>
+          <a:p>
+            <a:r>
+              <a:rPr lang="en-US" sz="1400"/>
+              <a:t>    case MDSS_EVENT_PANEL_OFF:</a:t>
+            </a:r>
+            <a:endParaRPr lang="en-US" sz="1400"/>
+          </a:p>
+          <a:p>
+            <a:r>
+              <a:rPr lang="en-US" sz="1400"/>
+              <a:t>        ctrl_pdata-&gt;ctrl_state &amp;= ~CTRL_STATE_MDP_ACTIVE;</a:t>
+            </a:r>
+            <a:endParaRPr lang="en-US" sz="1400"/>
+          </a:p>
+          <a:p>
+            <a:r>
+              <a:rPr lang="en-US" sz="1400"/>
+              <a:t>        if (ctrl_pdata-&gt;off_cmds.link_state == DSI_LP_MODE)</a:t>
+            </a:r>
+            <a:endParaRPr lang="en-US" sz="1400"/>
+          </a:p>
+          <a:p>
+            <a:r>
+              <a:rPr lang="en-US" sz="1400"/>
+              <a:t>            rc = </a:t>
+            </a:r>
+            <a:r>
+              <a:rPr lang="en-US" sz="1400">
+                <a:solidFill>
+                  <a:srgbClr val="FF0000"/>
+                </a:solidFill>
+              </a:rPr>
+              <a:t>mdss_dsi_blank</a:t>
+            </a:r>
+            <a:r>
+              <a:rPr lang="en-US" sz="1400"/>
+              <a:t>(pdata, power_state);</a:t>
+            </a:r>
+            <a:endParaRPr lang="en-US" sz="1400"/>
+          </a:p>
+          <a:p>
+            <a:r>
+              <a:rPr lang="en-US" sz="1400"/>
+              <a:t>        rc = </a:t>
+            </a:r>
+            <a:r>
+              <a:rPr lang="en-US" sz="1400">
+                <a:solidFill>
+                  <a:srgbClr val="FF0000"/>
+                </a:solidFill>
+              </a:rPr>
+              <a:t>mdss_dsi_of</a:t>
+            </a:r>
+            <a:r>
+              <a:rPr lang="en-US" sz="1400"/>
+              <a:t>f(pdata, power_state);</a:t>
+            </a:r>
+            <a:endParaRPr lang="en-US" sz="1400"/>
+          </a:p>
+          <a:p>
+            <a:r>
+              <a:rPr lang="en-US" sz="1400"/>
+              <a:t>        break;</a:t>
+            </a:r>
+            <a:endParaRPr lang="en-US" sz="1400"/>
+          </a:p>
+          <a:p>
+            <a:endParaRPr lang="en-US" sz="1400"/>
+          </a:p>
+        </p:txBody>
+      </p:sp>
+      <p:sp>
+        <p:nvSpPr>
+          <p:cNvPr id="4" name="Text Box 3"/>
+          <p:cNvSpPr txBox="1"/>
+          <p:nvPr/>
+        </p:nvSpPr>
+        <p:spPr>
+          <a:xfrm>
+            <a:off x="6289040" y="1691640"/>
+            <a:ext cx="6885940" cy="2461260"/>
+          </a:xfrm>
+          <a:prstGeom prst="rect">
+            <a:avLst/>
+          </a:prstGeom>
+          <a:noFill/>
+        </p:spPr>
+        <p:txBody>
+          <a:bodyPr wrap="square" rtlCol="0" anchor="t">
+            <a:spAutoFit/>
+          </a:bodyPr>
+          <a:p>
+            <a:r>
+              <a:rPr lang="en-US" sz="1400"/>
+              <a:t>// mdss_dsi_unblank |mdss_dsi_blank 函数追踪</a:t>
+            </a:r>
+            <a:endParaRPr lang="en-US" sz="1400"/>
+          </a:p>
+          <a:p>
+            <a:endParaRPr lang="en-US" sz="1400"/>
+          </a:p>
+          <a:p>
+            <a:r>
+              <a:rPr lang="en-US" sz="1400">
+                <a:solidFill>
+                  <a:srgbClr val="FF0000"/>
+                </a:solidFill>
+              </a:rPr>
+              <a:t>mdss_dsi_unblank</a:t>
+            </a:r>
+            <a:r>
+              <a:rPr lang="" altLang="en-US" sz="1400">
+                <a:solidFill>
+                  <a:srgbClr val="FF0000"/>
+                </a:solidFill>
+              </a:rPr>
+              <a:t>()</a:t>
+            </a:r>
+            <a:endParaRPr lang="en-US" sz="1400"/>
+          </a:p>
+          <a:p>
+            <a:r>
+              <a:rPr lang="en-US" sz="1400"/>
+              <a:t>         ATRACE_BEGIN("dsi_panel_on");</a:t>
+            </a:r>
+            <a:endParaRPr lang="en-US" sz="1400"/>
+          </a:p>
+          <a:p>
+            <a:r>
+              <a:rPr lang="en-US" sz="1400"/>
+              <a:t>        mdss_dsi_ctrl_pdata  ctrl_pdata-&gt;on(pdata);</a:t>
+            </a:r>
+            <a:endParaRPr lang="en-US" sz="1400"/>
+          </a:p>
+          <a:p>
+            <a:r>
+              <a:rPr lang="en-US" sz="1400"/>
+              <a:t>         ATRACE_END("dsi_panel_on");</a:t>
+            </a:r>
+            <a:endParaRPr lang="en-US" sz="1400"/>
+          </a:p>
+          <a:p>
+            <a:endParaRPr lang="en-US" sz="1400"/>
+          </a:p>
+          <a:p>
+            <a:r>
+              <a:rPr lang="en-US" sz="1400">
+                <a:solidFill>
+                  <a:srgbClr val="FF0000"/>
+                </a:solidFill>
+              </a:rPr>
+              <a:t>mdss_dsi_blank</a:t>
+            </a:r>
+            <a:r>
+              <a:rPr lang="" altLang="en-US" sz="1400">
+                <a:solidFill>
+                  <a:srgbClr val="FF0000"/>
+                </a:solidFill>
+              </a:rPr>
+              <a:t>()</a:t>
+            </a:r>
+            <a:endParaRPr lang="en-US" sz="1400"/>
+          </a:p>
+          <a:p>
+            <a:r>
+              <a:rPr lang="en-US" sz="1400"/>
+              <a:t>       ATRACE_BEGIN("dsi_panel_off");</a:t>
+            </a:r>
+            <a:endParaRPr lang="en-US" sz="1400"/>
+          </a:p>
+          <a:p>
+            <a:r>
+              <a:rPr lang="en-US" sz="1400"/>
+              <a:t>       mdss_dsi_ctrl_pdata  ctrl_pdata-&gt;off(pdata);</a:t>
+            </a:r>
+            <a:endParaRPr lang="en-US" sz="1400"/>
+          </a:p>
+          <a:p>
+            <a:r>
+              <a:rPr lang="en-US" sz="1400"/>
+              <a:t>       ATRACE_END("dsi_panel_off");</a:t>
+            </a:r>
+            <a:endParaRPr lang="en-US" sz="1400"/>
+          </a:p>
+        </p:txBody>
+      </p:sp>
+    </p:spTree>
+  </p:cSld>
+  <p:clrMapOvr>
+    <a:masterClrMapping/>
+  </p:clrMapOvr>
+</p:sld>
+</file>
+
+<file path=ppt/slides/slide24.xml><?xml version="1.0" encoding="utf-8"?>
+<p:sld xmlns:a="http://schemas.openxmlformats.org/drawingml/2006/main" xmlns:r="http://schemas.openxmlformats.org/officeDocument/2006/relationships" xmlns:p="http://schemas.openxmlformats.org/presentationml/2006/main">
+  <p:cSld>
+    <p:spTree>
+      <p:nvGrpSpPr>
+        <p:cNvPr id="1" name=""/>
+        <p:cNvGrpSpPr/>
+        <p:nvPr/>
+      </p:nvGrpSpPr>
+      <p:grpSpPr/>
+      <p:pic>
+        <p:nvPicPr>
+          <p:cNvPr id="15" name="Picture 14"/>
+          <p:cNvPicPr>
+            <a:picLocks noChangeAspect="1"/>
+          </p:cNvPicPr>
+          <p:nvPr/>
+        </p:nvPicPr>
+        <p:blipFill>
+          <a:blip r:embed="rId1"/>
+          <a:stretch>
+            <a:fillRect/>
+          </a:stretch>
+        </p:blipFill>
+        <p:spPr>
+          <a:xfrm>
+            <a:off x="7641590" y="5982970"/>
+            <a:ext cx="4570095" cy="838835"/>
+          </a:xfrm>
+          <a:prstGeom prst="rect">
+            <a:avLst/>
+          </a:prstGeom>
+        </p:spPr>
+      </p:pic>
+      <p:sp>
+        <p:nvSpPr>
+          <p:cNvPr id="2" name="Text Box 1"/>
+          <p:cNvSpPr txBox="1"/>
+          <p:nvPr/>
+        </p:nvSpPr>
+        <p:spPr>
+          <a:xfrm>
+            <a:off x="71120" y="1092200"/>
+            <a:ext cx="10241280" cy="5477510"/>
+          </a:xfrm>
+          <a:prstGeom prst="rect">
+            <a:avLst/>
+          </a:prstGeom>
+          <a:noFill/>
+        </p:spPr>
+        <p:txBody>
+          <a:bodyPr wrap="square" rtlCol="0">
+            <a:spAutoFit/>
+          </a:bodyPr>
+          <a:p>
+            <a:r>
+              <a:rPr lang="en-US" sz="1400"/>
+              <a:t>// 解析lcm dts ，开关panel 回调函数赋值 (drivers\video</a:t>
+            </a:r>
+            <a:r>
+              <a:rPr lang="" altLang="en-US" sz="1400"/>
+              <a:t>\fbdev</a:t>
+            </a:r>
+            <a:r>
+              <a:rPr lang="en-US" sz="1400"/>
+              <a:t>\msm\mdss\Mdss_dsi_panel.c) </a:t>
+            </a:r>
+            <a:endParaRPr lang="en-US" sz="1400"/>
+          </a:p>
+          <a:p>
+            <a:endParaRPr lang="en-US" sz="1400"/>
+          </a:p>
+          <a:p>
+            <a:r>
+              <a:rPr lang="en-US" sz="1400"/>
+              <a:t>/* 0.解析lcm的dtsi，开关屏函数赋值 */</a:t>
+            </a:r>
+            <a:endParaRPr lang="en-US" sz="1400"/>
+          </a:p>
+          <a:p>
+            <a:r>
+              <a:rPr lang="en-US" sz="1400">
+                <a:solidFill>
+                  <a:srgbClr val="FF0000"/>
+                </a:solidFill>
+              </a:rPr>
+              <a:t>mdss_dsi_panel_init</a:t>
+            </a:r>
+            <a:endParaRPr lang="en-US" sz="1400"/>
+          </a:p>
+          <a:p>
+            <a:r>
+              <a:rPr lang="en-US" sz="1400"/>
+              <a:t>      mdss_dsi_ctrl_pdata  ctrl_pdata-&gt;on = mdss_dsi_panel_on;</a:t>
+            </a:r>
+            <a:endParaRPr lang="en-US" sz="1400"/>
+          </a:p>
+          <a:p>
+            <a:r>
+              <a:rPr lang="en-US" sz="1400"/>
+              <a:t>      mdss_dsi_ctrl_pdata  ctrl_pdata-&gt;off = mdss_dsi_panel_off;</a:t>
+            </a:r>
+            <a:endParaRPr lang="en-US" sz="1400"/>
+          </a:p>
+          <a:p>
+            <a:endParaRPr lang="en-US" sz="1400"/>
+          </a:p>
+          <a:p>
+            <a:r>
+              <a:rPr lang="en-US" sz="1400"/>
+              <a:t>/* 1. 解析 on/off cmd data */</a:t>
+            </a:r>
+            <a:endParaRPr lang="en-US" sz="1400"/>
+          </a:p>
+          <a:p>
+            <a:r>
+              <a:rPr lang="en-US" sz="1400">
+                <a:solidFill>
+                  <a:srgbClr val="FF0000"/>
+                </a:solidFill>
+              </a:rPr>
+              <a:t>mdss_dsi_parse_dcs_cmds</a:t>
+            </a:r>
+            <a:r>
+              <a:rPr lang="en-US" sz="1400"/>
+              <a:t>(np, &amp;pt-&gt;on_cmds,</a:t>
+            </a:r>
+            <a:endParaRPr lang="en-US" sz="1400"/>
+          </a:p>
+          <a:p>
+            <a:r>
+              <a:rPr lang="en-US" sz="1400"/>
+              <a:t>        "qcom,mdss-dsi-on-command","qcom,mdss-dsi-on-command-state");</a:t>
+            </a:r>
+            <a:endParaRPr lang="en-US" sz="1400"/>
+          </a:p>
+          <a:p>
+            <a:endParaRPr lang="en-US" sz="1400"/>
+          </a:p>
+          <a:p>
+            <a:r>
+              <a:rPr lang="en-US" sz="1400">
+                <a:solidFill>
+                  <a:srgbClr val="FF0000"/>
+                </a:solidFill>
+              </a:rPr>
+              <a:t>mdss_dsi_parse_dcs_cmds</a:t>
+            </a:r>
+            <a:r>
+              <a:rPr lang="en-US" sz="1400"/>
+              <a:t>(np, &amp;ctrl_pdata-&gt;off_cmds,</a:t>
+            </a:r>
+            <a:endParaRPr lang="en-US" sz="1400"/>
+          </a:p>
+          <a:p>
+            <a:r>
+              <a:rPr lang="en-US" sz="1400"/>
+              <a:t>        "qcom,mdss-dsi-off-command", "qcom,mdss-dsi-off-command-state");</a:t>
+            </a:r>
+            <a:endParaRPr lang="en-US" sz="1400"/>
+          </a:p>
+          <a:p>
+            <a:endParaRPr lang="en-US" sz="1400"/>
+          </a:p>
+          <a:p>
+            <a:endParaRPr lang="en-US" sz="1400"/>
+          </a:p>
+          <a:p>
+            <a:endParaRPr lang="en-US" sz="1400"/>
+          </a:p>
+          <a:p>
+            <a:r>
+              <a:rPr lang="en-US" sz="1400"/>
+              <a:t>/* 2. 执行开关屏命令参数函数 */ </a:t>
+            </a:r>
+            <a:endParaRPr lang="en-US" sz="1400"/>
+          </a:p>
+          <a:p>
+            <a:r>
+              <a:rPr lang="en-US" sz="1400">
+                <a:solidFill>
+                  <a:srgbClr val="FF0000"/>
+                </a:solidFill>
+              </a:rPr>
+              <a:t>mdss_dsi_panel_on</a:t>
+            </a:r>
+            <a:r>
+              <a:rPr lang="" altLang="en-US" sz="1400">
+                <a:solidFill>
+                  <a:srgbClr val="FF0000"/>
+                </a:solidFill>
+              </a:rPr>
+              <a:t>()</a:t>
+            </a:r>
+            <a:endParaRPr lang="en-US" sz="1400"/>
+          </a:p>
+          <a:p>
+            <a:r>
+              <a:rPr lang="en-US" sz="1400"/>
+              <a:t>    mdss_dsi_panel_cmds_send(ctrl, on_cmds, CMD_REQ_COMMIT);</a:t>
+            </a:r>
+            <a:endParaRPr lang="en-US" sz="1400"/>
+          </a:p>
+          <a:p>
+            <a:r>
+              <a:rPr lang="" altLang="en-US" sz="1400"/>
+              <a:t>    mdss_dsi_cmdlist_put()</a:t>
+            </a:r>
+            <a:endParaRPr lang="" altLang="en-US" sz="1400"/>
+          </a:p>
+          <a:p>
+            <a:endParaRPr lang="en-US" sz="1400"/>
+          </a:p>
+          <a:p>
+            <a:endParaRPr lang="en-US" sz="1400"/>
+          </a:p>
+          <a:p>
+            <a:r>
+              <a:rPr lang="en-US" sz="1400">
+                <a:solidFill>
+                  <a:srgbClr val="FF0000"/>
+                </a:solidFill>
+              </a:rPr>
+              <a:t>mdss_dsi_panel_off</a:t>
+            </a:r>
+            <a:r>
+              <a:rPr lang="" altLang="en-US" sz="1400">
+                <a:solidFill>
+                  <a:srgbClr val="FF0000"/>
+                </a:solidFill>
+              </a:rPr>
+              <a:t>()</a:t>
+            </a:r>
+            <a:endParaRPr lang="en-US" sz="1400"/>
+          </a:p>
+          <a:p>
+            <a:r>
+              <a:rPr lang="en-US" sz="1400"/>
+              <a:t>        mdss_dsi_panel_cmds_send(ctrl, &amp;ctrl-&gt;off_cmds, CMD_REQ_COMMIT);</a:t>
+            </a:r>
+            <a:endParaRPr lang="en-US" sz="1400"/>
+          </a:p>
+          <a:p>
+            <a:r>
+              <a:rPr lang="" altLang="en-US" sz="1400"/>
+              <a:t>        mdss_dsi_cmdlist_put</a:t>
+            </a:r>
+            <a:endParaRPr lang="" altLang="en-US" sz="1400"/>
+          </a:p>
+        </p:txBody>
+      </p:sp>
+    </p:spTree>
+  </p:cSld>
+  <p:clrMapOvr>
+    <a:masterClrMapping/>
+  </p:clrMapOvr>
+</p:sld>
+</file>
+
+<file path=ppt/slides/slide25.xml><?xml version="1.0" encoding="utf-8"?>
+<p:sld xmlns:a="http://schemas.openxmlformats.org/drawingml/2006/main" xmlns:r="http://schemas.openxmlformats.org/officeDocument/2006/relationships" xmlns:p="http://schemas.openxmlformats.org/presentationml/2006/main">
+  <p:cSld>
+    <p:spTree>
+      <p:nvGrpSpPr>
+        <p:cNvPr id="1" name=""/>
+        <p:cNvGrpSpPr/>
+        <p:nvPr/>
+      </p:nvGrpSpPr>
+      <p:grpSpPr/>
+      <p:pic>
+        <p:nvPicPr>
+          <p:cNvPr id="15" name="Picture 14"/>
+          <p:cNvPicPr>
+            <a:picLocks noChangeAspect="1"/>
+          </p:cNvPicPr>
+          <p:nvPr/>
+        </p:nvPicPr>
+        <p:blipFill>
+          <a:blip r:embed="rId1"/>
+          <a:stretch>
+            <a:fillRect/>
+          </a:stretch>
+        </p:blipFill>
+        <p:spPr>
+          <a:xfrm>
+            <a:off x="7641590" y="5982970"/>
+            <a:ext cx="4570095" cy="838835"/>
+          </a:xfrm>
+          <a:prstGeom prst="rect">
+            <a:avLst/>
+          </a:prstGeom>
+        </p:spPr>
+      </p:pic>
+    </p:spTree>
+  </p:cSld>
+  <p:clrMapOvr>
+    <a:masterClrMapping/>
+  </p:clrMapOvr>
+</p:sld>
+</file>
+
+<file path=ppt/slides/slide26.xml><?xml version="1.0" encoding="utf-8"?>
+<p:sld xmlns:a="http://schemas.openxmlformats.org/drawingml/2006/main" xmlns:r="http://schemas.openxmlformats.org/officeDocument/2006/relationships" xmlns:p="http://schemas.openxmlformats.org/presentationml/2006/main">
+  <p:cSld>
+    <p:spTree>
+      <p:nvGrpSpPr>
+        <p:cNvPr id="1" name=""/>
+        <p:cNvGrpSpPr/>
+        <p:nvPr/>
+      </p:nvGrpSpPr>
+      <p:grpSpPr/>
+      <p:pic>
+        <p:nvPicPr>
+          <p:cNvPr id="15" name="Picture 14"/>
+          <p:cNvPicPr>
+            <a:picLocks noChangeAspect="1"/>
+          </p:cNvPicPr>
+          <p:nvPr/>
+        </p:nvPicPr>
+        <p:blipFill>
+          <a:blip r:embed="rId1"/>
+          <a:stretch>
+            <a:fillRect/>
+          </a:stretch>
+        </p:blipFill>
+        <p:spPr>
+          <a:xfrm>
+            <a:off x="7641590" y="5982970"/>
+            <a:ext cx="4570095" cy="838835"/>
+          </a:xfrm>
+          <a:prstGeom prst="rect">
+            <a:avLst/>
+          </a:prstGeom>
+        </p:spPr>
+      </p:pic>
+    </p:spTree>
+  </p:cSld>
+  <p:clrMapOvr>
+    <a:masterClrMapping/>
+  </p:clrMapOvr>
+</p:sld>
+</file>
+
+<file path=ppt/slides/slide27.xml><?xml version="1.0" encoding="utf-8"?>
+<p:sld xmlns:a="http://schemas.openxmlformats.org/drawingml/2006/main" xmlns:r="http://schemas.openxmlformats.org/officeDocument/2006/relationships" xmlns:p="http://schemas.openxmlformats.org/presentationml/2006/main">
+  <p:cSld>
+    <p:spTree>
+      <p:nvGrpSpPr>
+        <p:cNvPr id="1" name=""/>
+        <p:cNvGrpSpPr/>
+        <p:nvPr/>
+      </p:nvGrpSpPr>
+      <p:grpSpPr/>
+      <p:pic>
+        <p:nvPicPr>
+          <p:cNvPr id="15" name="Picture 14"/>
+          <p:cNvPicPr>
+            <a:picLocks noChangeAspect="1"/>
+          </p:cNvPicPr>
+          <p:nvPr/>
+        </p:nvPicPr>
+        <p:blipFill>
+          <a:blip r:embed="rId1"/>
+          <a:stretch>
+            <a:fillRect/>
+          </a:stretch>
+        </p:blipFill>
+        <p:spPr>
+          <a:xfrm>
+            <a:off x="7641590" y="5982970"/>
             <a:ext cx="4570095" cy="838835"/>
           </a:xfrm>
           <a:prstGeom prst="rect">
